--- a/0918/제품가격조사.pptx
+++ b/0918/제품가격조사.pptx
@@ -2,7 +2,7 @@
 <file path=ppt/presentation.xml><?xml version="1.0" encoding="utf-8"?>
 <p:presentation xmlns:a="http://schemas.openxmlformats.org/drawingml/2006/main" xmlns:r="http://schemas.openxmlformats.org/officeDocument/2006/relationships" xmlns:p="http://schemas.openxmlformats.org/presentationml/2006/main" saveSubsetFonts="1" autoCompressPictures="0">
   <p:sldMasterIdLst>
-    <p:sldMasterId id="2147483648" r:id="rId1"/>
+    <p:sldMasterId id="2147483714" r:id="rId1"/>
   </p:sldMasterIdLst>
   <p:sldIdLst>
     <p:sldId id="261" r:id="rId2"/>
@@ -11,6 +11,7 @@
     <p:sldId id="258" r:id="rId5"/>
     <p:sldId id="259" r:id="rId6"/>
     <p:sldId id="260" r:id="rId7"/>
+    <p:sldId id="262" r:id="rId8"/>
   </p:sldIdLst>
   <p:sldSz cx="9144000" cy="6858000" type="screen4x3"/>
   <p:notesSz cx="6858000" cy="9144000"/>
@@ -129,8 +130,18 @@
 </file>
 
 <file path=ppt/slideLayouts/slideLayout1.xml><?xml version="1.0" encoding="utf-8"?>
-<p:sldLayout xmlns:a="http://schemas.openxmlformats.org/drawingml/2006/main" xmlns:r="http://schemas.openxmlformats.org/officeDocument/2006/relationships" xmlns:p="http://schemas.openxmlformats.org/presentationml/2006/main" type="title" preserve="1">
-  <p:cSld name="Title Slide">
+<p:sldLayout xmlns:a="http://schemas.openxmlformats.org/drawingml/2006/main" xmlns:r="http://schemas.openxmlformats.org/officeDocument/2006/relationships" xmlns:p="http://schemas.openxmlformats.org/presentationml/2006/main" showMasterSp="0" type="title" preserve="1">
+  <p:cSld name="제목 슬라이드">
+    <p:bg>
+      <p:bgPr>
+        <a:solidFill>
+          <a:schemeClr val="bg2">
+            <a:lumMod val="75000"/>
+          </a:schemeClr>
+        </a:solidFill>
+        <a:effectLst/>
+      </p:bgPr>
+    </p:bg>
     <p:spTree>
       <p:nvGrpSpPr>
         <p:cNvPr id="1" name=""/>
@@ -157,18 +168,32 @@
         </p:nvSpPr>
         <p:spPr>
           <a:xfrm>
-            <a:off x="685800" y="2130425"/>
-            <a:ext cx="7772400" cy="1470025"/>
+            <a:off x="946404" y="758952"/>
+            <a:ext cx="7063740" cy="4041648"/>
           </a:xfrm>
         </p:spPr>
         <p:txBody>
-          <a:bodyPr/>
-          <a:lstStyle/>
-          <a:p>
-            <a:r>
-              <a:rPr lang="en-US"/>
-              <a:t>Click to edit Master title style</a:t>
-            </a:r>
+          <a:bodyPr anchor="b">
+            <a:normAutofit/>
+          </a:bodyPr>
+          <a:lstStyle>
+            <a:lvl1pPr algn="l">
+              <a:lnSpc>
+                <a:spcPct val="85000"/>
+              </a:lnSpc>
+              <a:defRPr sz="6600" baseline="0">
+                <a:solidFill>
+                  <a:schemeClr val="tx1"/>
+                </a:solidFill>
+              </a:defRPr>
+            </a:lvl1pPr>
+          </a:lstStyle>
+          <a:p>
+            <a:r>
+              <a:rPr lang="ko-KR" altLang="en-US"/>
+              <a:t>마스터 제목 스타일 편집</a:t>
+            </a:r>
+            <a:endParaRPr lang="en-US" dirty="0"/>
           </a:p>
         </p:txBody>
       </p:sp>
@@ -184,115 +209,108 @@
         </p:nvSpPr>
         <p:spPr>
           <a:xfrm>
-            <a:off x="1371600" y="3886200"/>
-            <a:ext cx="6400800" cy="1752600"/>
+            <a:off x="946404" y="4800600"/>
+            <a:ext cx="7063740" cy="1691640"/>
           </a:xfrm>
         </p:spPr>
         <p:txBody>
-          <a:bodyPr/>
+          <a:bodyPr>
+            <a:normAutofit/>
+          </a:bodyPr>
           <a:lstStyle>
-            <a:lvl1pPr marL="0" indent="0" algn="ctr">
+            <a:lvl1pPr marL="0" indent="0" algn="l">
               <a:buNone/>
-              <a:defRPr>
+              <a:defRPr sz="2000" baseline="0">
                 <a:solidFill>
                   <a:schemeClr val="tx1">
-                    <a:tint val="75000"/>
+                    <a:lumMod val="85000"/>
                   </a:schemeClr>
                 </a:solidFill>
               </a:defRPr>
             </a:lvl1pPr>
             <a:lvl2pPr marL="457200" indent="0" algn="ctr">
               <a:buNone/>
-              <a:defRPr>
-                <a:solidFill>
-                  <a:schemeClr val="tx1">
-                    <a:tint val="75000"/>
-                  </a:schemeClr>
-                </a:solidFill>
-              </a:defRPr>
+              <a:defRPr sz="2000"/>
             </a:lvl2pPr>
             <a:lvl3pPr marL="914400" indent="0" algn="ctr">
               <a:buNone/>
-              <a:defRPr>
-                <a:solidFill>
-                  <a:schemeClr val="tx1">
-                    <a:tint val="75000"/>
-                  </a:schemeClr>
-                </a:solidFill>
-              </a:defRPr>
+              <a:defRPr sz="2000"/>
             </a:lvl3pPr>
             <a:lvl4pPr marL="1371600" indent="0" algn="ctr">
               <a:buNone/>
-              <a:defRPr>
-                <a:solidFill>
-                  <a:schemeClr val="tx1">
-                    <a:tint val="75000"/>
-                  </a:schemeClr>
-                </a:solidFill>
-              </a:defRPr>
+              <a:defRPr sz="2000"/>
             </a:lvl4pPr>
             <a:lvl5pPr marL="1828800" indent="0" algn="ctr">
               <a:buNone/>
-              <a:defRPr>
-                <a:solidFill>
-                  <a:schemeClr val="tx1">
-                    <a:tint val="75000"/>
-                  </a:schemeClr>
-                </a:solidFill>
-              </a:defRPr>
+              <a:defRPr sz="2000"/>
             </a:lvl5pPr>
             <a:lvl6pPr marL="2286000" indent="0" algn="ctr">
               <a:buNone/>
-              <a:defRPr>
-                <a:solidFill>
-                  <a:schemeClr val="tx1">
-                    <a:tint val="75000"/>
-                  </a:schemeClr>
-                </a:solidFill>
-              </a:defRPr>
+              <a:defRPr sz="2000"/>
             </a:lvl6pPr>
             <a:lvl7pPr marL="2743200" indent="0" algn="ctr">
               <a:buNone/>
-              <a:defRPr>
-                <a:solidFill>
-                  <a:schemeClr val="tx1">
-                    <a:tint val="75000"/>
-                  </a:schemeClr>
-                </a:solidFill>
-              </a:defRPr>
+              <a:defRPr sz="2000"/>
             </a:lvl7pPr>
             <a:lvl8pPr marL="3200400" indent="0" algn="ctr">
               <a:buNone/>
-              <a:defRPr>
-                <a:solidFill>
-                  <a:schemeClr val="tx1">
-                    <a:tint val="75000"/>
-                  </a:schemeClr>
-                </a:solidFill>
-              </a:defRPr>
+              <a:defRPr sz="2000"/>
             </a:lvl8pPr>
             <a:lvl9pPr marL="3657600" indent="0" algn="ctr">
               <a:buNone/>
-              <a:defRPr>
-                <a:solidFill>
-                  <a:schemeClr val="tx1">
-                    <a:tint val="75000"/>
-                  </a:schemeClr>
-                </a:solidFill>
-              </a:defRPr>
+              <a:defRPr sz="2000"/>
             </a:lvl9pPr>
           </a:lstStyle>
           <a:p>
             <a:r>
-              <a:rPr lang="en-US"/>
-              <a:t>Click to edit Master subtitle style</a:t>
-            </a:r>
+              <a:rPr lang="ko-KR" altLang="en-US"/>
+              <a:t>클릭하여 마스터 부제목 스타일 편집</a:t>
+            </a:r>
+            <a:endParaRPr lang="en-US" dirty="0"/>
           </a:p>
         </p:txBody>
       </p:sp>
       <p:sp>
         <p:nvSpPr>
-          <p:cNvPr id="4" name="Date Placeholder 3"/>
+          <p:cNvPr id="7" name="Rectangle 6"/>
+          <p:cNvSpPr/>
+          <p:nvPr/>
+        </p:nvSpPr>
+        <p:spPr>
+          <a:xfrm>
+            <a:off x="0" y="0"/>
+            <a:ext cx="342900" cy="6858000"/>
+          </a:xfrm>
+          <a:prstGeom prst="rect">
+            <a:avLst/>
+          </a:prstGeom>
+          <a:solidFill>
+            <a:schemeClr val="accent1"/>
+          </a:solidFill>
+          <a:ln>
+            <a:noFill/>
+          </a:ln>
+        </p:spPr>
+        <p:style>
+          <a:lnRef idx="2">
+            <a:schemeClr val="accent1">
+              <a:shade val="50000"/>
+            </a:schemeClr>
+          </a:lnRef>
+          <a:fillRef idx="1">
+            <a:schemeClr val="accent1"/>
+          </a:fillRef>
+          <a:effectRef idx="0">
+            <a:schemeClr val="accent1"/>
+          </a:effectRef>
+          <a:fontRef idx="minor">
+            <a:schemeClr val="lt1"/>
+          </a:fontRef>
+        </p:style>
+      </p:sp>
+      <p:sp>
+        <p:nvSpPr>
+          <p:cNvPr id="8" name="Date Placeholder 7"/>
           <p:cNvSpPr>
             <a:spLocks noGrp="1"/>
           </p:cNvSpPr>
@@ -303,11 +321,22 @@
         <p:spPr/>
         <p:txBody>
           <a:bodyPr/>
-          <a:lstStyle/>
+          <a:lstStyle>
+            <a:lvl1pPr>
+              <a:defRPr>
+                <a:solidFill>
+                  <a:schemeClr val="bg2">
+                    <a:lumMod val="20000"/>
+                    <a:lumOff val="80000"/>
+                  </a:schemeClr>
+                </a:solidFill>
+              </a:defRPr>
+            </a:lvl1pPr>
+          </a:lstStyle>
           <a:p>
             <a:fld id="{5BCAD085-E8A6-8845-BD4E-CB4CCA059FC4}" type="datetimeFigureOut">
               <a:rPr lang="en-US" smtClean="0"/>
-              <a:t>9/23/2025</a:t>
+              <a:t>9/24/2025</a:t>
             </a:fld>
             <a:endParaRPr lang="en-US"/>
           </a:p>
@@ -315,7 +344,7 @@
       </p:sp>
       <p:sp>
         <p:nvSpPr>
-          <p:cNvPr id="5" name="Footer Placeholder 4"/>
+          <p:cNvPr id="9" name="Footer Placeholder 8"/>
           <p:cNvSpPr>
             <a:spLocks noGrp="1"/>
           </p:cNvSpPr>
@@ -326,7 +355,18 @@
         <p:spPr/>
         <p:txBody>
           <a:bodyPr/>
-          <a:lstStyle/>
+          <a:lstStyle>
+            <a:lvl1pPr>
+              <a:defRPr>
+                <a:solidFill>
+                  <a:schemeClr val="bg2">
+                    <a:lumMod val="20000"/>
+                    <a:lumOff val="80000"/>
+                  </a:schemeClr>
+                </a:solidFill>
+              </a:defRPr>
+            </a:lvl1pPr>
+          </a:lstStyle>
           <a:p>
             <a:endParaRPr lang="en-US"/>
           </a:p>
@@ -334,7 +374,7 @@
       </p:sp>
       <p:sp>
         <p:nvSpPr>
-          <p:cNvPr id="6" name="Slide Number Placeholder 5"/>
+          <p:cNvPr id="10" name="Slide Number Placeholder 9"/>
           <p:cNvSpPr>
             <a:spLocks noGrp="1"/>
           </p:cNvSpPr>
@@ -345,7 +385,18 @@
         <p:spPr/>
         <p:txBody>
           <a:bodyPr/>
-          <a:lstStyle/>
+          <a:lstStyle>
+            <a:lvl1pPr>
+              <a:defRPr>
+                <a:solidFill>
+                  <a:schemeClr val="bg2">
+                    <a:lumMod val="60000"/>
+                    <a:lumOff val="40000"/>
+                  </a:schemeClr>
+                </a:solidFill>
+              </a:defRPr>
+            </a:lvl1pPr>
+          </a:lstStyle>
           <a:p>
             <a:fld id="{C1FF6DA9-008F-8B48-92A6-B652298478BF}" type="slidenum">
               <a:rPr lang="en-US" smtClean="0"/>
@@ -358,19 +409,19 @@
     </p:spTree>
     <p:extLst>
       <p:ext uri="{BB962C8B-B14F-4D97-AF65-F5344CB8AC3E}">
-        <p14:creationId xmlns:p14="http://schemas.microsoft.com/office/powerpoint/2010/main" val="3168075583"/>
+        <p14:creationId xmlns:p14="http://schemas.microsoft.com/office/powerpoint/2010/main" val="1198558089"/>
       </p:ext>
     </p:extLst>
   </p:cSld>
   <p:clrMapOvr>
-    <a:masterClrMapping/>
+    <a:overrideClrMapping bg1="dk1" tx1="lt1" bg2="dk2" tx2="lt2" accent1="accent1" accent2="accent2" accent3="accent3" accent4="accent4" accent5="accent5" accent6="accent6" hlink="hlink" folHlink="folHlink"/>
   </p:clrMapOvr>
 </p:sldLayout>
 </file>
 
 <file path=ppt/slideLayouts/slideLayout10.xml><?xml version="1.0" encoding="utf-8"?>
 <p:sldLayout xmlns:a="http://schemas.openxmlformats.org/drawingml/2006/main" xmlns:r="http://schemas.openxmlformats.org/officeDocument/2006/relationships" xmlns:p="http://schemas.openxmlformats.org/presentationml/2006/main" type="vertTx" preserve="1">
-  <p:cSld name="Title and Vertical Text">
+  <p:cSld name="제목 및 세로 텍스트">
     <p:spTree>
       <p:nvGrpSpPr>
         <p:cNvPr id="1" name=""/>
@@ -401,9 +452,10 @@
           <a:lstStyle/>
           <a:p>
             <a:r>
-              <a:rPr lang="en-US"/>
-              <a:t>Click to edit Master title style</a:t>
-            </a:r>
+              <a:rPr lang="ko-KR" altLang="en-US"/>
+              <a:t>마스터 제목 스타일 편집</a:t>
+            </a:r>
+            <a:endParaRPr lang="en-US" dirty="0"/>
           </a:p>
         </p:txBody>
       </p:sp>
@@ -424,37 +476,38 @@
           <a:p>
             <a:pPr lvl="0"/>
             <a:r>
-              <a:rPr lang="en-US"/>
-              <a:t>Click to edit Master text styles</a:t>
+              <a:rPr lang="ko-KR" altLang="en-US"/>
+              <a:t>마스터 텍스트 스타일을 편집하려면 클릭</a:t>
             </a:r>
           </a:p>
           <a:p>
             <a:pPr lvl="1"/>
             <a:r>
-              <a:rPr lang="en-US"/>
-              <a:t>Second level</a:t>
+              <a:rPr lang="ko-KR" altLang="en-US"/>
+              <a:t>두 번째 수준</a:t>
             </a:r>
           </a:p>
           <a:p>
             <a:pPr lvl="2"/>
             <a:r>
-              <a:rPr lang="en-US"/>
-              <a:t>Third level</a:t>
+              <a:rPr lang="ko-KR" altLang="en-US"/>
+              <a:t>세 번째 수준</a:t>
             </a:r>
           </a:p>
           <a:p>
             <a:pPr lvl="3"/>
             <a:r>
-              <a:rPr lang="en-US"/>
-              <a:t>Fourth level</a:t>
+              <a:rPr lang="ko-KR" altLang="en-US"/>
+              <a:t>네 번째 수준</a:t>
             </a:r>
           </a:p>
           <a:p>
             <a:pPr lvl="4"/>
             <a:r>
-              <a:rPr lang="en-US"/>
-              <a:t>Fifth level</a:t>
-            </a:r>
+              <a:rPr lang="ko-KR" altLang="en-US"/>
+              <a:t>다섯 번째 수준</a:t>
+            </a:r>
+            <a:endParaRPr lang="en-US" dirty="0"/>
           </a:p>
         </p:txBody>
       </p:sp>
@@ -475,7 +528,7 @@
           <a:p>
             <a:fld id="{5BCAD085-E8A6-8845-BD4E-CB4CCA059FC4}" type="datetimeFigureOut">
               <a:rPr lang="en-US" smtClean="0"/>
-              <a:t>9/23/2025</a:t>
+              <a:t>9/24/2025</a:t>
             </a:fld>
             <a:endParaRPr lang="en-US"/>
           </a:p>
@@ -526,7 +579,7 @@
     </p:spTree>
     <p:extLst>
       <p:ext uri="{BB962C8B-B14F-4D97-AF65-F5344CB8AC3E}">
-        <p14:creationId xmlns:p14="http://schemas.microsoft.com/office/powerpoint/2010/main" val="2910927964"/>
+        <p14:creationId xmlns:p14="http://schemas.microsoft.com/office/powerpoint/2010/main" val="3058527590"/>
       </p:ext>
     </p:extLst>
   </p:cSld>
@@ -538,7 +591,7 @@
 
 <file path=ppt/slideLayouts/slideLayout11.xml><?xml version="1.0" encoding="utf-8"?>
 <p:sldLayout xmlns:a="http://schemas.openxmlformats.org/drawingml/2006/main" xmlns:r="http://schemas.openxmlformats.org/officeDocument/2006/relationships" xmlns:p="http://schemas.openxmlformats.org/presentationml/2006/main" type="vertTitleAndTx" preserve="1">
-  <p:cSld name="Vertical Title and Text">
+  <p:cSld name="세로 제목 및 텍스트">
     <p:spTree>
       <p:nvGrpSpPr>
         <p:cNvPr id="1" name=""/>
@@ -565,8 +618,8 @@
         </p:nvSpPr>
         <p:spPr>
           <a:xfrm>
-            <a:off x="6629400" y="274638"/>
-            <a:ext cx="2057400" cy="5851525"/>
+            <a:off x="6486525" y="381000"/>
+            <a:ext cx="1857375" cy="5897562"/>
           </a:xfrm>
         </p:spPr>
         <p:txBody>
@@ -574,9 +627,10 @@
           <a:lstStyle/>
           <a:p>
             <a:r>
-              <a:rPr lang="en-US"/>
-              <a:t>Click to edit Master title style</a:t>
-            </a:r>
+              <a:rPr lang="ko-KR" altLang="en-US"/>
+              <a:t>마스터 제목 스타일 편집</a:t>
+            </a:r>
+            <a:endParaRPr lang="en-US" dirty="0"/>
           </a:p>
         </p:txBody>
       </p:sp>
@@ -592,8 +646,8 @@
         </p:nvSpPr>
         <p:spPr>
           <a:xfrm>
-            <a:off x="457200" y="274638"/>
-            <a:ext cx="6019800" cy="5851525"/>
+            <a:off x="571500" y="381000"/>
+            <a:ext cx="5800725" cy="5897562"/>
           </a:xfrm>
         </p:spPr>
         <p:txBody>
@@ -602,37 +656,38 @@
           <a:p>
             <a:pPr lvl="0"/>
             <a:r>
-              <a:rPr lang="en-US"/>
-              <a:t>Click to edit Master text styles</a:t>
+              <a:rPr lang="ko-KR" altLang="en-US"/>
+              <a:t>마스터 텍스트 스타일을 편집하려면 클릭</a:t>
             </a:r>
           </a:p>
           <a:p>
             <a:pPr lvl="1"/>
             <a:r>
-              <a:rPr lang="en-US"/>
-              <a:t>Second level</a:t>
+              <a:rPr lang="ko-KR" altLang="en-US"/>
+              <a:t>두 번째 수준</a:t>
             </a:r>
           </a:p>
           <a:p>
             <a:pPr lvl="2"/>
             <a:r>
-              <a:rPr lang="en-US"/>
-              <a:t>Third level</a:t>
+              <a:rPr lang="ko-KR" altLang="en-US"/>
+              <a:t>세 번째 수준</a:t>
             </a:r>
           </a:p>
           <a:p>
             <a:pPr lvl="3"/>
             <a:r>
-              <a:rPr lang="en-US"/>
-              <a:t>Fourth level</a:t>
+              <a:rPr lang="ko-KR" altLang="en-US"/>
+              <a:t>네 번째 수준</a:t>
             </a:r>
           </a:p>
           <a:p>
             <a:pPr lvl="4"/>
             <a:r>
-              <a:rPr lang="en-US"/>
-              <a:t>Fifth level</a:t>
-            </a:r>
+              <a:rPr lang="ko-KR" altLang="en-US"/>
+              <a:t>다섯 번째 수준</a:t>
+            </a:r>
+            <a:endParaRPr lang="en-US" dirty="0"/>
           </a:p>
         </p:txBody>
       </p:sp>
@@ -653,7 +708,7 @@
           <a:p>
             <a:fld id="{5BCAD085-E8A6-8845-BD4E-CB4CCA059FC4}" type="datetimeFigureOut">
               <a:rPr lang="en-US" smtClean="0"/>
-              <a:t>9/23/2025</a:t>
+              <a:t>9/24/2025</a:t>
             </a:fld>
             <a:endParaRPr lang="en-US"/>
           </a:p>
@@ -704,7 +759,7 @@
     </p:spTree>
     <p:extLst>
       <p:ext uri="{BB962C8B-B14F-4D97-AF65-F5344CB8AC3E}">
-        <p14:creationId xmlns:p14="http://schemas.microsoft.com/office/powerpoint/2010/main" val="3612223792"/>
+        <p14:creationId xmlns:p14="http://schemas.microsoft.com/office/powerpoint/2010/main" val="625127376"/>
       </p:ext>
     </p:extLst>
   </p:cSld>
@@ -716,7 +771,7 @@
 
 <file path=ppt/slideLayouts/slideLayout2.xml><?xml version="1.0" encoding="utf-8"?>
 <p:sldLayout xmlns:a="http://schemas.openxmlformats.org/drawingml/2006/main" xmlns:r="http://schemas.openxmlformats.org/officeDocument/2006/relationships" xmlns:p="http://schemas.openxmlformats.org/presentationml/2006/main" type="obj" preserve="1">
-  <p:cSld name="Title and Content">
+  <p:cSld name="제목 및 내용">
     <p:spTree>
       <p:nvGrpSpPr>
         <p:cNvPr id="1" name=""/>
@@ -747,9 +802,10 @@
           <a:lstStyle/>
           <a:p>
             <a:r>
-              <a:rPr lang="en-US"/>
-              <a:t>Click to edit Master title style</a:t>
-            </a:r>
+              <a:rPr lang="ko-KR" altLang="en-US"/>
+              <a:t>마스터 제목 스타일 편집</a:t>
+            </a:r>
+            <a:endParaRPr lang="en-US" dirty="0"/>
           </a:p>
         </p:txBody>
       </p:sp>
@@ -770,37 +826,38 @@
           <a:p>
             <a:pPr lvl="0"/>
             <a:r>
-              <a:rPr lang="en-US"/>
-              <a:t>Click to edit Master text styles</a:t>
+              <a:rPr lang="ko-KR" altLang="en-US"/>
+              <a:t>마스터 텍스트 스타일을 편집하려면 클릭</a:t>
             </a:r>
           </a:p>
           <a:p>
             <a:pPr lvl="1"/>
             <a:r>
-              <a:rPr lang="en-US"/>
-              <a:t>Second level</a:t>
+              <a:rPr lang="ko-KR" altLang="en-US"/>
+              <a:t>두 번째 수준</a:t>
             </a:r>
           </a:p>
           <a:p>
             <a:pPr lvl="2"/>
             <a:r>
-              <a:rPr lang="en-US"/>
-              <a:t>Third level</a:t>
+              <a:rPr lang="ko-KR" altLang="en-US"/>
+              <a:t>세 번째 수준</a:t>
             </a:r>
           </a:p>
           <a:p>
             <a:pPr lvl="3"/>
             <a:r>
-              <a:rPr lang="en-US"/>
-              <a:t>Fourth level</a:t>
+              <a:rPr lang="ko-KR" altLang="en-US"/>
+              <a:t>네 번째 수준</a:t>
             </a:r>
           </a:p>
           <a:p>
             <a:pPr lvl="4"/>
             <a:r>
-              <a:rPr lang="en-US"/>
-              <a:t>Fifth level</a:t>
-            </a:r>
+              <a:rPr lang="ko-KR" altLang="en-US"/>
+              <a:t>다섯 번째 수준</a:t>
+            </a:r>
+            <a:endParaRPr lang="en-US" dirty="0"/>
           </a:p>
         </p:txBody>
       </p:sp>
@@ -821,7 +878,7 @@
           <a:p>
             <a:fld id="{5BCAD085-E8A6-8845-BD4E-CB4CCA059FC4}" type="datetimeFigureOut">
               <a:rPr lang="en-US" smtClean="0"/>
-              <a:t>9/23/2025</a:t>
+              <a:t>9/24/2025</a:t>
             </a:fld>
             <a:endParaRPr lang="en-US"/>
           </a:p>
@@ -872,7 +929,7 @@
     </p:spTree>
     <p:extLst>
       <p:ext uri="{BB962C8B-B14F-4D97-AF65-F5344CB8AC3E}">
-        <p14:creationId xmlns:p14="http://schemas.microsoft.com/office/powerpoint/2010/main" val="2614314258"/>
+        <p14:creationId xmlns:p14="http://schemas.microsoft.com/office/powerpoint/2010/main" val="3436476497"/>
       </p:ext>
     </p:extLst>
   </p:cSld>
@@ -884,7 +941,7 @@
 
 <file path=ppt/slideLayouts/slideLayout3.xml><?xml version="1.0" encoding="utf-8"?>
 <p:sldLayout xmlns:a="http://schemas.openxmlformats.org/drawingml/2006/main" xmlns:r="http://schemas.openxmlformats.org/officeDocument/2006/relationships" xmlns:p="http://schemas.openxmlformats.org/presentationml/2006/main" type="secHead" preserve="1">
-  <p:cSld name="Section Header">
+  <p:cSld name="구역 머리글">
     <p:spTree>
       <p:nvGrpSpPr>
         <p:cNvPr id="1" name=""/>
@@ -911,22 +968,28 @@
         </p:nvSpPr>
         <p:spPr>
           <a:xfrm>
-            <a:off x="722313" y="4406900"/>
-            <a:ext cx="7772400" cy="1362075"/>
+            <a:off x="946404" y="758952"/>
+            <a:ext cx="7063740" cy="4041648"/>
           </a:xfrm>
         </p:spPr>
         <p:txBody>
-          <a:bodyPr anchor="t"/>
+          <a:bodyPr anchor="b">
+            <a:normAutofit/>
+          </a:bodyPr>
           <a:lstStyle>
-            <a:lvl1pPr algn="l">
-              <a:defRPr sz="4000" b="1" cap="all"/>
+            <a:lvl1pPr>
+              <a:lnSpc>
+                <a:spcPct val="85000"/>
+              </a:lnSpc>
+              <a:defRPr sz="6600" b="0"/>
             </a:lvl1pPr>
           </a:lstStyle>
           <a:p>
             <a:r>
-              <a:rPr lang="en-US"/>
-              <a:t>Click to edit Master title style</a:t>
-            </a:r>
+              <a:rPr lang="ko-KR" altLang="en-US"/>
+              <a:t>마스터 제목 스타일 편집</a:t>
+            </a:r>
+            <a:endParaRPr lang="en-US" dirty="0"/>
           </a:p>
         </p:txBody>
       </p:sp>
@@ -942,19 +1005,22 @@
         </p:nvSpPr>
         <p:spPr>
           <a:xfrm>
-            <a:off x="722313" y="2906713"/>
-            <a:ext cx="7772400" cy="1500187"/>
+            <a:off x="946404" y="4800600"/>
+            <a:ext cx="7063740" cy="1691640"/>
           </a:xfrm>
         </p:spPr>
         <p:txBody>
-          <a:bodyPr anchor="b"/>
+          <a:bodyPr anchor="t">
+            <a:normAutofit/>
+          </a:bodyPr>
           <a:lstStyle>
             <a:lvl1pPr marL="0" indent="0">
               <a:buNone/>
               <a:defRPr sz="2000">
                 <a:solidFill>
                   <a:schemeClr val="tx1">
-                    <a:tint val="75000"/>
+                    <a:lumMod val="75000"/>
+                    <a:lumOff val="25000"/>
                   </a:schemeClr>
                 </a:solidFill>
               </a:defRPr>
@@ -1043,8 +1109,8 @@
           <a:p>
             <a:pPr lvl="0"/>
             <a:r>
-              <a:rPr lang="en-US"/>
-              <a:t>Click to edit Master text styles</a:t>
+              <a:rPr lang="ko-KR" altLang="en-US"/>
+              <a:t>마스터 텍스트 스타일을 편집하려면 클릭</a:t>
             </a:r>
           </a:p>
         </p:txBody>
@@ -1066,7 +1132,7 @@
           <a:p>
             <a:fld id="{5BCAD085-E8A6-8845-BD4E-CB4CCA059FC4}" type="datetimeFigureOut">
               <a:rPr lang="en-US" smtClean="0"/>
-              <a:t>9/23/2025</a:t>
+              <a:t>9/24/2025</a:t>
             </a:fld>
             <a:endParaRPr lang="en-US"/>
           </a:p>
@@ -1114,10 +1180,48 @@
           </a:p>
         </p:txBody>
       </p:sp>
+      <p:sp>
+        <p:nvSpPr>
+          <p:cNvPr id="7" name="Rectangle 6"/>
+          <p:cNvSpPr/>
+          <p:nvPr/>
+        </p:nvSpPr>
+        <p:spPr>
+          <a:xfrm>
+            <a:off x="0" y="0"/>
+            <a:ext cx="342900" cy="6858000"/>
+          </a:xfrm>
+          <a:prstGeom prst="rect">
+            <a:avLst/>
+          </a:prstGeom>
+          <a:solidFill>
+            <a:schemeClr val="accent1"/>
+          </a:solidFill>
+          <a:ln>
+            <a:noFill/>
+          </a:ln>
+        </p:spPr>
+        <p:style>
+          <a:lnRef idx="2">
+            <a:schemeClr val="accent1">
+              <a:shade val="50000"/>
+            </a:schemeClr>
+          </a:lnRef>
+          <a:fillRef idx="1">
+            <a:schemeClr val="accent1"/>
+          </a:fillRef>
+          <a:effectRef idx="0">
+            <a:schemeClr val="accent1"/>
+          </a:effectRef>
+          <a:fontRef idx="minor">
+            <a:schemeClr val="lt1"/>
+          </a:fontRef>
+        </p:style>
+      </p:sp>
     </p:spTree>
     <p:extLst>
       <p:ext uri="{BB962C8B-B14F-4D97-AF65-F5344CB8AC3E}">
-        <p14:creationId xmlns:p14="http://schemas.microsoft.com/office/powerpoint/2010/main" val="960648375"/>
+        <p14:creationId xmlns:p14="http://schemas.microsoft.com/office/powerpoint/2010/main" val="3634897014"/>
       </p:ext>
     </p:extLst>
   </p:cSld>
@@ -1129,7 +1233,7 @@
 
 <file path=ppt/slideLayouts/slideLayout4.xml><?xml version="1.0" encoding="utf-8"?>
 <p:sldLayout xmlns:a="http://schemas.openxmlformats.org/drawingml/2006/main" xmlns:r="http://schemas.openxmlformats.org/officeDocument/2006/relationships" xmlns:p="http://schemas.openxmlformats.org/presentationml/2006/main" type="twoObj" preserve="1">
-  <p:cSld name="Two Content">
+  <p:cSld name="콘텐츠 2개">
     <p:spTree>
       <p:nvGrpSpPr>
         <p:cNvPr id="1" name=""/>
@@ -1160,9 +1264,10 @@
           <a:lstStyle/>
           <a:p>
             <a:r>
-              <a:rPr lang="en-US"/>
-              <a:t>Click to edit Master title style</a:t>
-            </a:r>
+              <a:rPr lang="ko-KR" altLang="en-US"/>
+              <a:t>마스터 제목 스타일 편집</a:t>
+            </a:r>
+            <a:endParaRPr lang="en-US" dirty="0"/>
           </a:p>
         </p:txBody>
       </p:sp>
@@ -1178,75 +1283,76 @@
         </p:nvSpPr>
         <p:spPr>
           <a:xfrm>
-            <a:off x="457200" y="1600200"/>
-            <a:ext cx="4038600" cy="4525963"/>
+            <a:off x="946404" y="1828801"/>
+            <a:ext cx="3360420" cy="4351337"/>
           </a:xfrm>
         </p:spPr>
         <p:txBody>
           <a:bodyPr/>
           <a:lstStyle>
             <a:lvl1pPr>
-              <a:defRPr sz="2800"/>
+              <a:defRPr sz="1800"/>
             </a:lvl1pPr>
             <a:lvl2pPr>
-              <a:defRPr sz="2400"/>
+              <a:defRPr sz="1600"/>
             </a:lvl2pPr>
             <a:lvl3pPr>
-              <a:defRPr sz="2000"/>
+              <a:defRPr sz="1400"/>
             </a:lvl3pPr>
             <a:lvl4pPr>
-              <a:defRPr sz="1800"/>
+              <a:defRPr sz="1400"/>
             </a:lvl4pPr>
             <a:lvl5pPr>
-              <a:defRPr sz="1800"/>
+              <a:defRPr sz="1400"/>
             </a:lvl5pPr>
             <a:lvl6pPr>
-              <a:defRPr sz="1800"/>
+              <a:defRPr sz="1400"/>
             </a:lvl6pPr>
             <a:lvl7pPr>
-              <a:defRPr sz="1800"/>
+              <a:defRPr sz="1400"/>
             </a:lvl7pPr>
             <a:lvl8pPr>
-              <a:defRPr sz="1800"/>
+              <a:defRPr sz="1400"/>
             </a:lvl8pPr>
             <a:lvl9pPr>
-              <a:defRPr sz="1800"/>
+              <a:defRPr sz="1400"/>
             </a:lvl9pPr>
           </a:lstStyle>
           <a:p>
             <a:pPr lvl="0"/>
             <a:r>
-              <a:rPr lang="en-US"/>
-              <a:t>Click to edit Master text styles</a:t>
+              <a:rPr lang="ko-KR" altLang="en-US"/>
+              <a:t>마스터 텍스트 스타일을 편집하려면 클릭</a:t>
             </a:r>
           </a:p>
           <a:p>
             <a:pPr lvl="1"/>
             <a:r>
-              <a:rPr lang="en-US"/>
-              <a:t>Second level</a:t>
+              <a:rPr lang="ko-KR" altLang="en-US"/>
+              <a:t>두 번째 수준</a:t>
             </a:r>
           </a:p>
           <a:p>
             <a:pPr lvl="2"/>
             <a:r>
-              <a:rPr lang="en-US"/>
-              <a:t>Third level</a:t>
+              <a:rPr lang="ko-KR" altLang="en-US"/>
+              <a:t>세 번째 수준</a:t>
             </a:r>
           </a:p>
           <a:p>
             <a:pPr lvl="3"/>
             <a:r>
-              <a:rPr lang="en-US"/>
-              <a:t>Fourth level</a:t>
+              <a:rPr lang="ko-KR" altLang="en-US"/>
+              <a:t>네 번째 수준</a:t>
             </a:r>
           </a:p>
           <a:p>
             <a:pPr lvl="4"/>
             <a:r>
-              <a:rPr lang="en-US"/>
-              <a:t>Fifth level</a:t>
-            </a:r>
+              <a:rPr lang="ko-KR" altLang="en-US"/>
+              <a:t>다섯 번째 수준</a:t>
+            </a:r>
+            <a:endParaRPr lang="en-US" dirty="0"/>
           </a:p>
         </p:txBody>
       </p:sp>
@@ -1262,75 +1368,76 @@
         </p:nvSpPr>
         <p:spPr>
           <a:xfrm>
-            <a:off x="4648200" y="1600200"/>
-            <a:ext cx="4038600" cy="4525963"/>
+            <a:off x="4594860" y="1828801"/>
+            <a:ext cx="3360420" cy="4351337"/>
           </a:xfrm>
         </p:spPr>
         <p:txBody>
           <a:bodyPr/>
           <a:lstStyle>
             <a:lvl1pPr>
-              <a:defRPr sz="2800"/>
+              <a:defRPr sz="1800"/>
             </a:lvl1pPr>
             <a:lvl2pPr>
-              <a:defRPr sz="2400"/>
+              <a:defRPr sz="1600"/>
             </a:lvl2pPr>
             <a:lvl3pPr>
-              <a:defRPr sz="2000"/>
+              <a:defRPr sz="1400"/>
             </a:lvl3pPr>
             <a:lvl4pPr>
-              <a:defRPr sz="1800"/>
+              <a:defRPr sz="1400"/>
             </a:lvl4pPr>
             <a:lvl5pPr>
-              <a:defRPr sz="1800"/>
+              <a:defRPr sz="1400"/>
             </a:lvl5pPr>
             <a:lvl6pPr>
-              <a:defRPr sz="1800"/>
+              <a:defRPr sz="1400"/>
             </a:lvl6pPr>
             <a:lvl7pPr>
-              <a:defRPr sz="1800"/>
+              <a:defRPr sz="1400"/>
             </a:lvl7pPr>
             <a:lvl8pPr>
-              <a:defRPr sz="1800"/>
+              <a:defRPr sz="1400"/>
             </a:lvl8pPr>
             <a:lvl9pPr>
-              <a:defRPr sz="1800"/>
+              <a:defRPr sz="1400"/>
             </a:lvl9pPr>
           </a:lstStyle>
           <a:p>
             <a:pPr lvl="0"/>
             <a:r>
-              <a:rPr lang="en-US"/>
-              <a:t>Click to edit Master text styles</a:t>
+              <a:rPr lang="ko-KR" altLang="en-US"/>
+              <a:t>마스터 텍스트 스타일을 편집하려면 클릭</a:t>
             </a:r>
           </a:p>
           <a:p>
             <a:pPr lvl="1"/>
             <a:r>
-              <a:rPr lang="en-US"/>
-              <a:t>Second level</a:t>
+              <a:rPr lang="ko-KR" altLang="en-US"/>
+              <a:t>두 번째 수준</a:t>
             </a:r>
           </a:p>
           <a:p>
             <a:pPr lvl="2"/>
             <a:r>
-              <a:rPr lang="en-US"/>
-              <a:t>Third level</a:t>
+              <a:rPr lang="ko-KR" altLang="en-US"/>
+              <a:t>세 번째 수준</a:t>
             </a:r>
           </a:p>
           <a:p>
             <a:pPr lvl="3"/>
             <a:r>
-              <a:rPr lang="en-US"/>
-              <a:t>Fourth level</a:t>
+              <a:rPr lang="ko-KR" altLang="en-US"/>
+              <a:t>네 번째 수준</a:t>
             </a:r>
           </a:p>
           <a:p>
             <a:pPr lvl="4"/>
             <a:r>
-              <a:rPr lang="en-US"/>
-              <a:t>Fifth level</a:t>
-            </a:r>
+              <a:rPr lang="ko-KR" altLang="en-US"/>
+              <a:t>다섯 번째 수준</a:t>
+            </a:r>
+            <a:endParaRPr lang="en-US" dirty="0"/>
           </a:p>
         </p:txBody>
       </p:sp>
@@ -1351,7 +1458,7 @@
           <a:p>
             <a:fld id="{5BCAD085-E8A6-8845-BD4E-CB4CCA059FC4}" type="datetimeFigureOut">
               <a:rPr lang="en-US" smtClean="0"/>
-              <a:t>9/23/2025</a:t>
+              <a:t>9/24/2025</a:t>
             </a:fld>
             <a:endParaRPr lang="en-US"/>
           </a:p>
@@ -1402,7 +1509,7 @@
     </p:spTree>
     <p:extLst>
       <p:ext uri="{BB962C8B-B14F-4D97-AF65-F5344CB8AC3E}">
-        <p14:creationId xmlns:p14="http://schemas.microsoft.com/office/powerpoint/2010/main" val="2782244947"/>
+        <p14:creationId xmlns:p14="http://schemas.microsoft.com/office/powerpoint/2010/main" val="3404052185"/>
       </p:ext>
     </p:extLst>
   </p:cSld>
@@ -1414,7 +1521,7 @@
 
 <file path=ppt/slideLayouts/slideLayout5.xml><?xml version="1.0" encoding="utf-8"?>
 <p:sldLayout xmlns:a="http://schemas.openxmlformats.org/drawingml/2006/main" xmlns:r="http://schemas.openxmlformats.org/officeDocument/2006/relationships" xmlns:p="http://schemas.openxmlformats.org/presentationml/2006/main" type="twoTxTwoObj" preserve="1">
-  <p:cSld name="Comparison">
+  <p:cSld name="비교">
     <p:spTree>
       <p:nvGrpSpPr>
         <p:cNvPr id="1" name=""/>
@@ -1431,7 +1538,7 @@
       </p:grpSpPr>
       <p:sp>
         <p:nvSpPr>
-          <p:cNvPr id="2" name="Title 1"/>
+          <p:cNvPr id="10" name="Title 9"/>
           <p:cNvSpPr>
             <a:spLocks noGrp="1"/>
           </p:cNvSpPr>
@@ -1442,16 +1549,13 @@
         <p:spPr/>
         <p:txBody>
           <a:bodyPr/>
-          <a:lstStyle>
-            <a:lvl1pPr>
-              <a:defRPr/>
-            </a:lvl1pPr>
-          </a:lstStyle>
-          <a:p>
-            <a:r>
-              <a:rPr lang="en-US"/>
-              <a:t>Click to edit Master title style</a:t>
-            </a:r>
+          <a:lstStyle/>
+          <a:p>
+            <a:r>
+              <a:rPr lang="ko-KR" altLang="en-US"/>
+              <a:t>마스터 제목 스타일 편집</a:t>
+            </a:r>
+            <a:endParaRPr lang="en-US" dirty="0"/>
           </a:p>
         </p:txBody>
       </p:sp>
@@ -1467,20 +1571,29 @@
         </p:nvSpPr>
         <p:spPr>
           <a:xfrm>
-            <a:off x="457200" y="1535113"/>
-            <a:ext cx="4040188" cy="639762"/>
+            <a:off x="946404" y="1717185"/>
+            <a:ext cx="3360420" cy="731520"/>
           </a:xfrm>
         </p:spPr>
         <p:txBody>
-          <a:bodyPr anchor="b"/>
+          <a:bodyPr anchor="b">
+            <a:normAutofit/>
+          </a:bodyPr>
           <a:lstStyle>
             <a:lvl1pPr marL="0" indent="0">
+              <a:spcBef>
+                <a:spcPts val="0"/>
+              </a:spcBef>
               <a:buNone/>
-              <a:defRPr sz="2400" b="1"/>
+              <a:defRPr sz="1800" b="0">
+                <a:solidFill>
+                  <a:schemeClr val="tx2"/>
+                </a:solidFill>
+              </a:defRPr>
             </a:lvl1pPr>
             <a:lvl2pPr marL="457200" indent="0">
               <a:buNone/>
-              <a:defRPr sz="2000" b="1"/>
+              <a:defRPr sz="1800" b="1"/>
             </a:lvl2pPr>
             <a:lvl3pPr marL="914400" indent="0">
               <a:buNone/>
@@ -1514,8 +1627,8 @@
           <a:p>
             <a:pPr lvl="0"/>
             <a:r>
-              <a:rPr lang="en-US"/>
-              <a:t>Click to edit Master text styles</a:t>
+              <a:rPr lang="ko-KR" altLang="en-US"/>
+              <a:t>마스터 텍스트 스타일을 편집하려면 클릭</a:t>
             </a:r>
           </a:p>
         </p:txBody>
@@ -1532,139 +1645,133 @@
         </p:nvSpPr>
         <p:spPr>
           <a:xfrm>
-            <a:off x="457200" y="2174875"/>
-            <a:ext cx="4040188" cy="3951288"/>
+            <a:off x="946404" y="2507550"/>
+            <a:ext cx="3360420" cy="3664650"/>
           </a:xfrm>
         </p:spPr>
         <p:txBody>
           <a:bodyPr/>
           <a:lstStyle>
             <a:lvl1pPr>
-              <a:defRPr sz="2400"/>
+              <a:defRPr sz="1800"/>
             </a:lvl1pPr>
             <a:lvl2pPr>
-              <a:defRPr sz="2000"/>
+              <a:defRPr sz="1600"/>
             </a:lvl2pPr>
             <a:lvl3pPr>
-              <a:defRPr sz="1800"/>
+              <a:defRPr sz="1400"/>
             </a:lvl3pPr>
             <a:lvl4pPr>
-              <a:defRPr sz="1600"/>
+              <a:defRPr sz="1400"/>
             </a:lvl4pPr>
             <a:lvl5pPr>
-              <a:defRPr sz="1600"/>
+              <a:defRPr sz="1400"/>
             </a:lvl5pPr>
             <a:lvl6pPr>
-              <a:defRPr sz="1600"/>
+              <a:defRPr sz="1400"/>
             </a:lvl6pPr>
             <a:lvl7pPr>
-              <a:defRPr sz="1600"/>
+              <a:defRPr sz="1400"/>
             </a:lvl7pPr>
             <a:lvl8pPr>
-              <a:defRPr sz="1600"/>
+              <a:defRPr sz="1400"/>
             </a:lvl8pPr>
             <a:lvl9pPr>
-              <a:defRPr sz="1600"/>
+              <a:defRPr sz="1400"/>
             </a:lvl9pPr>
           </a:lstStyle>
           <a:p>
             <a:pPr lvl="0"/>
             <a:r>
-              <a:rPr lang="en-US"/>
-              <a:t>Click to edit Master text styles</a:t>
+              <a:rPr lang="ko-KR" altLang="en-US"/>
+              <a:t>마스터 텍스트 스타일을 편집하려면 클릭</a:t>
             </a:r>
           </a:p>
           <a:p>
             <a:pPr lvl="1"/>
             <a:r>
-              <a:rPr lang="en-US"/>
-              <a:t>Second level</a:t>
+              <a:rPr lang="ko-KR" altLang="en-US"/>
+              <a:t>두 번째 수준</a:t>
             </a:r>
           </a:p>
           <a:p>
             <a:pPr lvl="2"/>
             <a:r>
-              <a:rPr lang="en-US"/>
-              <a:t>Third level</a:t>
+              <a:rPr lang="ko-KR" altLang="en-US"/>
+              <a:t>세 번째 수준</a:t>
             </a:r>
           </a:p>
           <a:p>
             <a:pPr lvl="3"/>
             <a:r>
-              <a:rPr lang="en-US"/>
-              <a:t>Fourth level</a:t>
+              <a:rPr lang="ko-KR" altLang="en-US"/>
+              <a:t>네 번째 수준</a:t>
             </a:r>
           </a:p>
           <a:p>
             <a:pPr lvl="4"/>
             <a:r>
-              <a:rPr lang="en-US"/>
-              <a:t>Fifth level</a:t>
-            </a:r>
+              <a:rPr lang="ko-KR" altLang="en-US"/>
+              <a:t>다섯 번째 수준</a:t>
+            </a:r>
+            <a:endParaRPr lang="en-US" dirty="0"/>
           </a:p>
         </p:txBody>
       </p:sp>
       <p:sp>
         <p:nvSpPr>
-          <p:cNvPr id="5" name="Text Placeholder 4"/>
+          <p:cNvPr id="11" name="Text Placeholder 10"/>
           <p:cNvSpPr>
             <a:spLocks noGrp="1"/>
           </p:cNvSpPr>
           <p:nvPr>
-            <p:ph type="body" sz="quarter" idx="3"/>
+            <p:ph type="body" sz="quarter" idx="13"/>
           </p:nvPr>
         </p:nvSpPr>
         <p:spPr>
           <a:xfrm>
-            <a:off x="4645025" y="1535113"/>
-            <a:ext cx="4041775" cy="639762"/>
+            <a:off x="4599432" y="1717185"/>
+            <a:ext cx="3364992" cy="731520"/>
           </a:xfrm>
         </p:spPr>
         <p:txBody>
-          <a:bodyPr anchor="b"/>
+          <a:bodyPr anchor="b">
+            <a:normAutofit/>
+          </a:bodyPr>
           <a:lstStyle>
             <a:lvl1pPr marL="0" indent="0">
+              <a:buFontTx/>
               <a:buNone/>
-              <a:defRPr sz="2400" b="1"/>
+              <a:defRPr lang="en-US" sz="1800" b="0" kern="1200" spc="10" baseline="0" dirty="0">
+                <a:solidFill>
+                  <a:schemeClr val="tx2"/>
+                </a:solidFill>
+                <a:latin typeface="+mn-lt"/>
+                <a:ea typeface="+mn-ea"/>
+                <a:cs typeface="+mn-cs"/>
+              </a:defRPr>
             </a:lvl1pPr>
-            <a:lvl2pPr marL="457200" indent="0">
+          </a:lstStyle>
+          <a:p>
+            <a:pPr marL="0" lvl="0" indent="0" algn="l" defTabSz="914400" rtl="0" eaLnBrk="1" latinLnBrk="0" hangingPunct="1">
+              <a:lnSpc>
+                <a:spcPct val="95000"/>
+              </a:lnSpc>
+              <a:spcBef>
+                <a:spcPts val="0"/>
+              </a:spcBef>
+              <a:spcAft>
+                <a:spcPts val="200"/>
+              </a:spcAft>
+              <a:buClr>
+                <a:schemeClr val="accent1"/>
+              </a:buClr>
+              <a:buSzPct val="80000"/>
               <a:buNone/>
-              <a:defRPr sz="2000" b="1"/>
-            </a:lvl2pPr>
-            <a:lvl3pPr marL="914400" indent="0">
-              <a:buNone/>
-              <a:defRPr sz="1800" b="1"/>
-            </a:lvl3pPr>
-            <a:lvl4pPr marL="1371600" indent="0">
-              <a:buNone/>
-              <a:defRPr sz="1600" b="1"/>
-            </a:lvl4pPr>
-            <a:lvl5pPr marL="1828800" indent="0">
-              <a:buNone/>
-              <a:defRPr sz="1600" b="1"/>
-            </a:lvl5pPr>
-            <a:lvl6pPr marL="2286000" indent="0">
-              <a:buNone/>
-              <a:defRPr sz="1600" b="1"/>
-            </a:lvl6pPr>
-            <a:lvl7pPr marL="2743200" indent="0">
-              <a:buNone/>
-              <a:defRPr sz="1600" b="1"/>
-            </a:lvl7pPr>
-            <a:lvl8pPr marL="3200400" indent="0">
-              <a:buNone/>
-              <a:defRPr sz="1600" b="1"/>
-            </a:lvl8pPr>
-            <a:lvl9pPr marL="3657600" indent="0">
-              <a:buNone/>
-              <a:defRPr sz="1600" b="1"/>
-            </a:lvl9pPr>
-          </a:lstStyle>
-          <a:p>
-            <a:pPr lvl="0"/>
-            <a:r>
-              <a:rPr lang="en-US"/>
-              <a:t>Click to edit Master text styles</a:t>
+            </a:pPr>
+            <a:r>
+              <a:rPr lang="ko-KR" altLang="en-US"/>
+              <a:t>마스터 텍스트 스타일을 편집하려면 클릭</a:t>
             </a:r>
           </a:p>
         </p:txBody>
@@ -1681,75 +1788,76 @@
         </p:nvSpPr>
         <p:spPr>
           <a:xfrm>
-            <a:off x="4645025" y="2174875"/>
-            <a:ext cx="4041775" cy="3951288"/>
+            <a:off x="4594860" y="2507550"/>
+            <a:ext cx="3360420" cy="3664650"/>
           </a:xfrm>
         </p:spPr>
         <p:txBody>
           <a:bodyPr/>
           <a:lstStyle>
             <a:lvl1pPr>
-              <a:defRPr sz="2400"/>
+              <a:defRPr sz="1800"/>
             </a:lvl1pPr>
             <a:lvl2pPr>
-              <a:defRPr sz="2000"/>
+              <a:defRPr sz="1600"/>
             </a:lvl2pPr>
             <a:lvl3pPr>
-              <a:defRPr sz="1800"/>
+              <a:defRPr sz="1400"/>
             </a:lvl3pPr>
             <a:lvl4pPr>
-              <a:defRPr sz="1600"/>
+              <a:defRPr sz="1400"/>
             </a:lvl4pPr>
             <a:lvl5pPr>
-              <a:defRPr sz="1600"/>
+              <a:defRPr sz="1400"/>
             </a:lvl5pPr>
             <a:lvl6pPr>
-              <a:defRPr sz="1600"/>
+              <a:defRPr sz="1400"/>
             </a:lvl6pPr>
             <a:lvl7pPr>
-              <a:defRPr sz="1600"/>
+              <a:defRPr sz="1400"/>
             </a:lvl7pPr>
             <a:lvl8pPr>
-              <a:defRPr sz="1600"/>
+              <a:defRPr sz="1400"/>
             </a:lvl8pPr>
             <a:lvl9pPr>
-              <a:defRPr sz="1600"/>
+              <a:defRPr sz="1400"/>
             </a:lvl9pPr>
           </a:lstStyle>
           <a:p>
             <a:pPr lvl="0"/>
             <a:r>
-              <a:rPr lang="en-US"/>
-              <a:t>Click to edit Master text styles</a:t>
+              <a:rPr lang="ko-KR" altLang="en-US"/>
+              <a:t>마스터 텍스트 스타일을 편집하려면 클릭</a:t>
             </a:r>
           </a:p>
           <a:p>
             <a:pPr lvl="1"/>
             <a:r>
-              <a:rPr lang="en-US"/>
-              <a:t>Second level</a:t>
+              <a:rPr lang="ko-KR" altLang="en-US"/>
+              <a:t>두 번째 수준</a:t>
             </a:r>
           </a:p>
           <a:p>
             <a:pPr lvl="2"/>
             <a:r>
-              <a:rPr lang="en-US"/>
-              <a:t>Third level</a:t>
+              <a:rPr lang="ko-KR" altLang="en-US"/>
+              <a:t>세 번째 수준</a:t>
             </a:r>
           </a:p>
           <a:p>
             <a:pPr lvl="3"/>
             <a:r>
-              <a:rPr lang="en-US"/>
-              <a:t>Fourth level</a:t>
+              <a:rPr lang="ko-KR" altLang="en-US"/>
+              <a:t>네 번째 수준</a:t>
             </a:r>
           </a:p>
           <a:p>
             <a:pPr lvl="4"/>
             <a:r>
-              <a:rPr lang="en-US"/>
-              <a:t>Fifth level</a:t>
-            </a:r>
+              <a:rPr lang="ko-KR" altLang="en-US"/>
+              <a:t>다섯 번째 수준</a:t>
+            </a:r>
+            <a:endParaRPr lang="en-US" dirty="0"/>
           </a:p>
         </p:txBody>
       </p:sp>
@@ -1770,7 +1878,7 @@
           <a:p>
             <a:fld id="{5BCAD085-E8A6-8845-BD4E-CB4CCA059FC4}" type="datetimeFigureOut">
               <a:rPr lang="en-US" smtClean="0"/>
-              <a:t>9/23/2025</a:t>
+              <a:t>9/24/2025</a:t>
             </a:fld>
             <a:endParaRPr lang="en-US"/>
           </a:p>
@@ -1821,7 +1929,7 @@
     </p:spTree>
     <p:extLst>
       <p:ext uri="{BB962C8B-B14F-4D97-AF65-F5344CB8AC3E}">
-        <p14:creationId xmlns:p14="http://schemas.microsoft.com/office/powerpoint/2010/main" val="990158736"/>
+        <p14:creationId xmlns:p14="http://schemas.microsoft.com/office/powerpoint/2010/main" val="3312801269"/>
       </p:ext>
     </p:extLst>
   </p:cSld>
@@ -1833,7 +1941,7 @@
 
 <file path=ppt/slideLayouts/slideLayout6.xml><?xml version="1.0" encoding="utf-8"?>
 <p:sldLayout xmlns:a="http://schemas.openxmlformats.org/drawingml/2006/main" xmlns:r="http://schemas.openxmlformats.org/officeDocument/2006/relationships" xmlns:p="http://schemas.openxmlformats.org/presentationml/2006/main" type="titleOnly" preserve="1">
-  <p:cSld name="Title Only">
+  <p:cSld name="제목만">
     <p:spTree>
       <p:nvGrpSpPr>
         <p:cNvPr id="1" name=""/>
@@ -1850,7 +1958,7 @@
       </p:grpSpPr>
       <p:sp>
         <p:nvSpPr>
-          <p:cNvPr id="2" name="Title 1"/>
+          <p:cNvPr id="6" name="Title 5"/>
           <p:cNvSpPr>
             <a:spLocks noGrp="1"/>
           </p:cNvSpPr>
@@ -1864,9 +1972,10 @@
           <a:lstStyle/>
           <a:p>
             <a:r>
-              <a:rPr lang="en-US"/>
-              <a:t>Click to edit Master title style</a:t>
-            </a:r>
+              <a:rPr lang="ko-KR" altLang="en-US"/>
+              <a:t>마스터 제목 스타일 편집</a:t>
+            </a:r>
+            <a:endParaRPr lang="en-US" dirty="0"/>
           </a:p>
         </p:txBody>
       </p:sp>
@@ -1887,7 +1996,7 @@
           <a:p>
             <a:fld id="{5BCAD085-E8A6-8845-BD4E-CB4CCA059FC4}" type="datetimeFigureOut">
               <a:rPr lang="en-US" smtClean="0"/>
-              <a:t>9/23/2025</a:t>
+              <a:t>9/24/2025</a:t>
             </a:fld>
             <a:endParaRPr lang="en-US"/>
           </a:p>
@@ -1938,7 +2047,7 @@
     </p:spTree>
     <p:extLst>
       <p:ext uri="{BB962C8B-B14F-4D97-AF65-F5344CB8AC3E}">
-        <p14:creationId xmlns:p14="http://schemas.microsoft.com/office/powerpoint/2010/main" val="727027711"/>
+        <p14:creationId xmlns:p14="http://schemas.microsoft.com/office/powerpoint/2010/main" val="127259039"/>
       </p:ext>
     </p:extLst>
   </p:cSld>
@@ -1950,7 +2059,7 @@
 
 <file path=ppt/slideLayouts/slideLayout7.xml><?xml version="1.0" encoding="utf-8"?>
 <p:sldLayout xmlns:a="http://schemas.openxmlformats.org/drawingml/2006/main" xmlns:r="http://schemas.openxmlformats.org/officeDocument/2006/relationships" xmlns:p="http://schemas.openxmlformats.org/presentationml/2006/main" type="blank" preserve="1">
-  <p:cSld name="Blank">
+  <p:cSld name="빈 화면">
     <p:spTree>
       <p:nvGrpSpPr>
         <p:cNvPr id="1" name=""/>
@@ -1982,7 +2091,7 @@
           <a:p>
             <a:fld id="{5BCAD085-E8A6-8845-BD4E-CB4CCA059FC4}" type="datetimeFigureOut">
               <a:rPr lang="en-US" smtClean="0"/>
-              <a:t>9/23/2025</a:t>
+              <a:t>9/24/2025</a:t>
             </a:fld>
             <a:endParaRPr lang="en-US"/>
           </a:p>
@@ -2033,7 +2142,7 @@
     </p:spTree>
     <p:extLst>
       <p:ext uri="{BB962C8B-B14F-4D97-AF65-F5344CB8AC3E}">
-        <p14:creationId xmlns:p14="http://schemas.microsoft.com/office/powerpoint/2010/main" val="1212999818"/>
+        <p14:creationId xmlns:p14="http://schemas.microsoft.com/office/powerpoint/2010/main" val="885623861"/>
       </p:ext>
     </p:extLst>
   </p:cSld>
@@ -2045,7 +2154,7 @@
 
 <file path=ppt/slideLayouts/slideLayout8.xml><?xml version="1.0" encoding="utf-8"?>
 <p:sldLayout xmlns:a="http://schemas.openxmlformats.org/drawingml/2006/main" xmlns:r="http://schemas.openxmlformats.org/officeDocument/2006/relationships" xmlns:p="http://schemas.openxmlformats.org/presentationml/2006/main" type="objTx" preserve="1">
-  <p:cSld name="Content with Caption">
+  <p:cSld name="캡션 있는 콘텐츠">
     <p:spTree>
       <p:nvGrpSpPr>
         <p:cNvPr id="1" name=""/>
@@ -2072,22 +2181,25 @@
         </p:nvSpPr>
         <p:spPr>
           <a:xfrm>
-            <a:off x="457200" y="273050"/>
-            <a:ext cx="3008313" cy="1162050"/>
+            <a:off x="630936" y="457201"/>
+            <a:ext cx="2400300" cy="1600197"/>
           </a:xfrm>
         </p:spPr>
         <p:txBody>
-          <a:bodyPr anchor="b"/>
+          <a:bodyPr anchor="b">
+            <a:normAutofit/>
+          </a:bodyPr>
           <a:lstStyle>
-            <a:lvl1pPr algn="l">
-              <a:defRPr sz="2000" b="1"/>
+            <a:lvl1pPr>
+              <a:defRPr sz="2800" b="0" baseline="0"/>
             </a:lvl1pPr>
           </a:lstStyle>
           <a:p>
             <a:r>
-              <a:rPr lang="en-US"/>
-              <a:t>Click to edit Master title style</a:t>
-            </a:r>
+              <a:rPr lang="ko-KR" altLang="en-US"/>
+              <a:t>마스터 제목 스타일 편집</a:t>
+            </a:r>
+            <a:endParaRPr lang="en-US" dirty="0"/>
           </a:p>
         </p:txBody>
       </p:sp>
@@ -2103,75 +2215,76 @@
         </p:nvSpPr>
         <p:spPr>
           <a:xfrm>
-            <a:off x="3575050" y="273050"/>
-            <a:ext cx="5111750" cy="5853113"/>
+            <a:off x="3378200" y="685800"/>
+            <a:ext cx="4559300" cy="5486400"/>
           </a:xfrm>
         </p:spPr>
         <p:txBody>
           <a:bodyPr/>
           <a:lstStyle>
             <a:lvl1pPr>
-              <a:defRPr sz="3200"/>
+              <a:defRPr sz="1800"/>
             </a:lvl1pPr>
             <a:lvl2pPr>
-              <a:defRPr sz="2800"/>
+              <a:defRPr sz="1600"/>
             </a:lvl2pPr>
             <a:lvl3pPr>
-              <a:defRPr sz="2400"/>
+              <a:defRPr sz="1400"/>
             </a:lvl3pPr>
             <a:lvl4pPr>
-              <a:defRPr sz="2000"/>
+              <a:defRPr sz="1400"/>
             </a:lvl4pPr>
             <a:lvl5pPr>
-              <a:defRPr sz="2000"/>
+              <a:defRPr sz="1400"/>
             </a:lvl5pPr>
             <a:lvl6pPr>
-              <a:defRPr sz="2000"/>
+              <a:defRPr sz="1400"/>
             </a:lvl6pPr>
             <a:lvl7pPr>
-              <a:defRPr sz="2000"/>
+              <a:defRPr sz="1400"/>
             </a:lvl7pPr>
             <a:lvl8pPr>
-              <a:defRPr sz="2000"/>
+              <a:defRPr sz="1400"/>
             </a:lvl8pPr>
             <a:lvl9pPr>
-              <a:defRPr sz="2000"/>
+              <a:defRPr sz="1400"/>
             </a:lvl9pPr>
           </a:lstStyle>
           <a:p>
             <a:pPr lvl="0"/>
             <a:r>
-              <a:rPr lang="en-US"/>
-              <a:t>Click to edit Master text styles</a:t>
+              <a:rPr lang="ko-KR" altLang="en-US"/>
+              <a:t>마스터 텍스트 스타일을 편집하려면 클릭</a:t>
             </a:r>
           </a:p>
           <a:p>
             <a:pPr lvl="1"/>
             <a:r>
-              <a:rPr lang="en-US"/>
-              <a:t>Second level</a:t>
+              <a:rPr lang="ko-KR" altLang="en-US"/>
+              <a:t>두 번째 수준</a:t>
             </a:r>
           </a:p>
           <a:p>
             <a:pPr lvl="2"/>
             <a:r>
-              <a:rPr lang="en-US"/>
-              <a:t>Third level</a:t>
+              <a:rPr lang="ko-KR" altLang="en-US"/>
+              <a:t>세 번째 수준</a:t>
             </a:r>
           </a:p>
           <a:p>
             <a:pPr lvl="3"/>
             <a:r>
-              <a:rPr lang="en-US"/>
-              <a:t>Fourth level</a:t>
+              <a:rPr lang="ko-KR" altLang="en-US"/>
+              <a:t>네 번째 수준</a:t>
             </a:r>
           </a:p>
           <a:p>
             <a:pPr lvl="4"/>
             <a:r>
-              <a:rPr lang="en-US"/>
-              <a:t>Fifth level</a:t>
-            </a:r>
+              <a:rPr lang="ko-KR" altLang="en-US"/>
+              <a:t>다섯 번째 수준</a:t>
+            </a:r>
+            <a:endParaRPr lang="en-US" dirty="0"/>
           </a:p>
         </p:txBody>
       </p:sp>
@@ -2187,16 +2300,24 @@
         </p:nvSpPr>
         <p:spPr>
           <a:xfrm>
-            <a:off x="457200" y="1435100"/>
-            <a:ext cx="3008313" cy="4691063"/>
+            <a:off x="630936" y="2099735"/>
+            <a:ext cx="2400300" cy="3810001"/>
           </a:xfrm>
         </p:spPr>
         <p:txBody>
-          <a:bodyPr/>
+          <a:bodyPr>
+            <a:normAutofit/>
+          </a:bodyPr>
           <a:lstStyle>
             <a:lvl1pPr marL="0" indent="0">
+              <a:lnSpc>
+                <a:spcPct val="114000"/>
+              </a:lnSpc>
+              <a:spcBef>
+                <a:spcPts val="800"/>
+              </a:spcBef>
               <a:buNone/>
-              <a:defRPr sz="1400"/>
+              <a:defRPr sz="1300"/>
             </a:lvl1pPr>
             <a:lvl2pPr marL="457200" indent="0">
               <a:buNone/>
@@ -2234,8 +2355,8 @@
           <a:p>
             <a:pPr lvl="0"/>
             <a:r>
-              <a:rPr lang="en-US"/>
-              <a:t>Click to edit Master text styles</a:t>
+              <a:rPr lang="ko-KR" altLang="en-US"/>
+              <a:t>마스터 텍스트 스타일을 편집하려면 클릭</a:t>
             </a:r>
           </a:p>
         </p:txBody>
@@ -2257,7 +2378,7 @@
           <a:p>
             <a:fld id="{5BCAD085-E8A6-8845-BD4E-CB4CCA059FC4}" type="datetimeFigureOut">
               <a:rPr lang="en-US" smtClean="0"/>
-              <a:t>9/23/2025</a:t>
+              <a:t>9/24/2025</a:t>
             </a:fld>
             <a:endParaRPr lang="en-US"/>
           </a:p>
@@ -2308,7 +2429,7 @@
     </p:spTree>
     <p:extLst>
       <p:ext uri="{BB962C8B-B14F-4D97-AF65-F5344CB8AC3E}">
-        <p14:creationId xmlns:p14="http://schemas.microsoft.com/office/powerpoint/2010/main" val="1840726560"/>
+        <p14:creationId xmlns:p14="http://schemas.microsoft.com/office/powerpoint/2010/main" val="203512066"/>
       </p:ext>
     </p:extLst>
   </p:cSld>
@@ -2320,7 +2441,7 @@
 
 <file path=ppt/slideLayouts/slideLayout9.xml><?xml version="1.0" encoding="utf-8"?>
 <p:sldLayout xmlns:a="http://schemas.openxmlformats.org/drawingml/2006/main" xmlns:r="http://schemas.openxmlformats.org/officeDocument/2006/relationships" xmlns:p="http://schemas.openxmlformats.org/presentationml/2006/main" type="picTx" preserve="1">
-  <p:cSld name="Picture with Caption">
+  <p:cSld name="캡션 있는 그림">
     <p:spTree>
       <p:nvGrpSpPr>
         <p:cNvPr id="1" name=""/>
@@ -2337,6 +2458,44 @@
       </p:grpSpPr>
       <p:sp>
         <p:nvSpPr>
+          <p:cNvPr id="8" name="Rectangle 7"/>
+          <p:cNvSpPr/>
+          <p:nvPr/>
+        </p:nvSpPr>
+        <p:spPr>
+          <a:xfrm>
+            <a:off x="0" y="5105400"/>
+            <a:ext cx="8469630" cy="1752600"/>
+          </a:xfrm>
+          <a:prstGeom prst="rect">
+            <a:avLst/>
+          </a:prstGeom>
+          <a:solidFill>
+            <a:srgbClr val="000000"/>
+          </a:solidFill>
+          <a:ln>
+            <a:noFill/>
+          </a:ln>
+        </p:spPr>
+        <p:style>
+          <a:lnRef idx="2">
+            <a:schemeClr val="accent1">
+              <a:shade val="50000"/>
+            </a:schemeClr>
+          </a:lnRef>
+          <a:fillRef idx="1">
+            <a:schemeClr val="accent1"/>
+          </a:fillRef>
+          <a:effectRef idx="0">
+            <a:schemeClr val="accent1"/>
+          </a:effectRef>
+          <a:fontRef idx="minor">
+            <a:schemeClr val="lt1"/>
+          </a:fontRef>
+        </p:style>
+      </p:sp>
+      <p:sp>
+        <p:nvSpPr>
           <p:cNvPr id="2" name="Title 1"/>
           <p:cNvSpPr>
             <a:spLocks noGrp="1"/>
@@ -2347,22 +2506,29 @@
         </p:nvSpPr>
         <p:spPr>
           <a:xfrm>
-            <a:off x="1792288" y="4800600"/>
-            <a:ext cx="5486400" cy="566738"/>
+            <a:off x="685800" y="5257800"/>
+            <a:ext cx="7486650" cy="914400"/>
           </a:xfrm>
         </p:spPr>
         <p:txBody>
-          <a:bodyPr anchor="b"/>
+          <a:bodyPr anchor="b">
+            <a:normAutofit/>
+          </a:bodyPr>
           <a:lstStyle>
-            <a:lvl1pPr algn="l">
-              <a:defRPr sz="2000" b="1"/>
+            <a:lvl1pPr>
+              <a:defRPr sz="2800" b="0">
+                <a:solidFill>
+                  <a:schemeClr val="bg1"/>
+                </a:solidFill>
+              </a:defRPr>
             </a:lvl1pPr>
           </a:lstStyle>
           <a:p>
             <a:r>
-              <a:rPr lang="en-US"/>
-              <a:t>Click to edit Master title style</a:t>
-            </a:r>
+              <a:rPr lang="ko-KR" altLang="en-US"/>
+              <a:t>마스터 제목 스타일 편집</a:t>
+            </a:r>
+            <a:endParaRPr lang="en-US" dirty="0"/>
           </a:p>
         </p:txBody>
       </p:sp>
@@ -2370,7 +2536,7 @@
         <p:nvSpPr>
           <p:cNvPr id="3" name="Picture Placeholder 2"/>
           <p:cNvSpPr>
-            <a:spLocks noGrp="1"/>
+            <a:spLocks noGrp="1" noChangeAspect="1"/>
           </p:cNvSpPr>
           <p:nvPr>
             <p:ph type="pic" idx="1"/>
@@ -2378,16 +2544,23 @@
         </p:nvSpPr>
         <p:spPr>
           <a:xfrm>
-            <a:off x="1792288" y="612775"/>
-            <a:ext cx="5486400" cy="4114800"/>
+            <a:off x="0" y="1"/>
+            <a:ext cx="8469630" cy="5128923"/>
           </a:xfrm>
+          <a:solidFill>
+            <a:schemeClr val="accent1"/>
+          </a:solidFill>
         </p:spPr>
         <p:txBody>
-          <a:bodyPr/>
+          <a:bodyPr anchor="t"/>
           <a:lstStyle>
             <a:lvl1pPr marL="0" indent="0">
               <a:buNone/>
-              <a:defRPr sz="3200"/>
+              <a:defRPr sz="3200">
+                <a:solidFill>
+                  <a:schemeClr val="bg1"/>
+                </a:solidFill>
+              </a:defRPr>
             </a:lvl1pPr>
             <a:lvl2pPr marL="457200" indent="0">
               <a:buNone/>
@@ -2423,7 +2596,11 @@
             </a:lvl9pPr>
           </a:lstStyle>
           <a:p>
-            <a:endParaRPr lang="en-US"/>
+            <a:r>
+              <a:rPr lang="ko-KR" altLang="en-US"/>
+              <a:t>그림을 추가하려면 아이콘을 클릭하십시오</a:t>
+            </a:r>
+            <a:endParaRPr lang="en-US" dirty="0"/>
           </a:p>
         </p:txBody>
       </p:sp>
@@ -2439,16 +2616,30 @@
         </p:nvSpPr>
         <p:spPr>
           <a:xfrm>
-            <a:off x="1792288" y="5367338"/>
-            <a:ext cx="5486400" cy="804862"/>
+            <a:off x="685800" y="6108590"/>
+            <a:ext cx="7486650" cy="597011"/>
           </a:xfrm>
         </p:spPr>
         <p:txBody>
-          <a:bodyPr/>
+          <a:bodyPr>
+            <a:normAutofit/>
+          </a:bodyPr>
           <a:lstStyle>
             <a:lvl1pPr marL="0" indent="0">
+              <a:lnSpc>
+                <a:spcPct val="100000"/>
+              </a:lnSpc>
+              <a:spcBef>
+                <a:spcPts val="800"/>
+              </a:spcBef>
               <a:buNone/>
-              <a:defRPr sz="1400"/>
+              <a:defRPr sz="1300">
+                <a:solidFill>
+                  <a:schemeClr val="bg1">
+                    <a:lumMod val="85000"/>
+                  </a:schemeClr>
+                </a:solidFill>
+              </a:defRPr>
             </a:lvl1pPr>
             <a:lvl2pPr marL="457200" indent="0">
               <a:buNone/>
@@ -2486,8 +2677,8 @@
           <a:p>
             <a:pPr lvl="0"/>
             <a:r>
-              <a:rPr lang="en-US"/>
-              <a:t>Click to edit Master text styles</a:t>
+              <a:rPr lang="ko-KR" altLang="en-US"/>
+              <a:t>마스터 텍스트 스타일을 편집하려면 클릭</a:t>
             </a:r>
           </a:p>
         </p:txBody>
@@ -2509,7 +2700,7 @@
           <a:p>
             <a:fld id="{5BCAD085-E8A6-8845-BD4E-CB4CCA059FC4}" type="datetimeFigureOut">
               <a:rPr lang="en-US" smtClean="0"/>
-              <a:t>9/23/2025</a:t>
+              <a:t>9/24/2025</a:t>
             </a:fld>
             <a:endParaRPr lang="en-US"/>
           </a:p>
@@ -2560,7 +2751,7 @@
     </p:spTree>
     <p:extLst>
       <p:ext uri="{BB962C8B-B14F-4D97-AF65-F5344CB8AC3E}">
-        <p14:creationId xmlns:p14="http://schemas.microsoft.com/office/powerpoint/2010/main" val="3889236939"/>
+        <p14:creationId xmlns:p14="http://schemas.microsoft.com/office/powerpoint/2010/main" val="794185006"/>
       </p:ext>
     </p:extLst>
   </p:cSld>
@@ -2594,6 +2785,46 @@
       </p:grpSpPr>
       <p:sp>
         <p:nvSpPr>
+          <p:cNvPr id="7" name="Rectangle 6"/>
+          <p:cNvSpPr/>
+          <p:nvPr/>
+        </p:nvSpPr>
+        <p:spPr>
+          <a:xfrm>
+            <a:off x="8418195" y="0"/>
+            <a:ext cx="731520" cy="6858000"/>
+          </a:xfrm>
+          <a:prstGeom prst="rect">
+            <a:avLst/>
+          </a:prstGeom>
+          <a:solidFill>
+            <a:schemeClr val="tx2">
+              <a:lumMod val="75000"/>
+            </a:schemeClr>
+          </a:solidFill>
+          <a:ln>
+            <a:noFill/>
+          </a:ln>
+        </p:spPr>
+        <p:style>
+          <a:lnRef idx="2">
+            <a:schemeClr val="accent1">
+              <a:shade val="50000"/>
+            </a:schemeClr>
+          </a:lnRef>
+          <a:fillRef idx="1">
+            <a:schemeClr val="accent1"/>
+          </a:fillRef>
+          <a:effectRef idx="0">
+            <a:schemeClr val="accent1"/>
+          </a:effectRef>
+          <a:fontRef idx="minor">
+            <a:schemeClr val="lt1"/>
+          </a:fontRef>
+        </p:style>
+      </p:sp>
+      <p:sp>
+        <p:nvSpPr>
           <p:cNvPr id="2" name="Title Placeholder 1"/>
           <p:cNvSpPr>
             <a:spLocks noGrp="1"/>
@@ -2604,23 +2835,24 @@
         </p:nvSpPr>
         <p:spPr>
           <a:xfrm>
-            <a:off x="457200" y="274638"/>
-            <a:ext cx="8229600" cy="1143000"/>
+            <a:off x="946404" y="365760"/>
+            <a:ext cx="7269480" cy="1325562"/>
           </a:xfrm>
           <a:prstGeom prst="rect">
             <a:avLst/>
           </a:prstGeom>
         </p:spPr>
         <p:txBody>
-          <a:bodyPr vert="horz" lIns="91440" tIns="45720" rIns="91440" bIns="45720" rtlCol="0" anchor="ctr">
+          <a:bodyPr vert="horz" lIns="91440" tIns="45720" rIns="91440" bIns="45720" rtlCol="0" anchor="b">
             <a:normAutofit/>
           </a:bodyPr>
           <a:lstStyle/>
           <a:p>
             <a:r>
-              <a:rPr lang="en-US"/>
-              <a:t>Click to edit Master title style</a:t>
-            </a:r>
+              <a:rPr lang="ko-KR" altLang="en-US"/>
+              <a:t>마스터 제목 스타일 편집</a:t>
+            </a:r>
+            <a:endParaRPr lang="en-US" dirty="0"/>
           </a:p>
         </p:txBody>
       </p:sp>
@@ -2636,8 +2868,8 @@
         </p:nvSpPr>
         <p:spPr>
           <a:xfrm>
-            <a:off x="457200" y="1600200"/>
-            <a:ext cx="8229600" cy="4525963"/>
+            <a:off x="946404" y="1828801"/>
+            <a:ext cx="6446520" cy="4351337"/>
           </a:xfrm>
           <a:prstGeom prst="rect">
             <a:avLst/>
@@ -2651,37 +2883,38 @@
           <a:p>
             <a:pPr lvl="0"/>
             <a:r>
-              <a:rPr lang="en-US"/>
-              <a:t>Click to edit Master text styles</a:t>
+              <a:rPr lang="ko-KR" altLang="en-US"/>
+              <a:t>마스터 텍스트 스타일을 편집하려면 클릭</a:t>
             </a:r>
           </a:p>
           <a:p>
             <a:pPr lvl="1"/>
             <a:r>
-              <a:rPr lang="en-US"/>
-              <a:t>Second level</a:t>
+              <a:rPr lang="ko-KR" altLang="en-US"/>
+              <a:t>두 번째 수준</a:t>
             </a:r>
           </a:p>
           <a:p>
             <a:pPr lvl="2"/>
             <a:r>
-              <a:rPr lang="en-US"/>
-              <a:t>Third level</a:t>
+              <a:rPr lang="ko-KR" altLang="en-US"/>
+              <a:t>세 번째 수준</a:t>
             </a:r>
           </a:p>
           <a:p>
             <a:pPr lvl="3"/>
             <a:r>
-              <a:rPr lang="en-US"/>
-              <a:t>Fourth level</a:t>
+              <a:rPr lang="ko-KR" altLang="en-US"/>
+              <a:t>네 번째 수준</a:t>
             </a:r>
           </a:p>
           <a:p>
             <a:pPr lvl="4"/>
             <a:r>
-              <a:rPr lang="en-US"/>
-              <a:t>Fifth level</a:t>
-            </a:r>
+              <a:rPr lang="ko-KR" altLang="en-US"/>
+              <a:t>다섯 번째 수준</a:t>
+            </a:r>
+            <a:endParaRPr lang="en-US" dirty="0"/>
           </a:p>
         </p:txBody>
       </p:sp>
@@ -2696,9 +2929,9 @@
           </p:nvPr>
         </p:nvSpPr>
         <p:spPr>
-          <a:xfrm>
-            <a:off x="457200" y="6356350"/>
-            <a:ext cx="2133600" cy="365125"/>
+          <a:xfrm rot="16200000">
+            <a:off x="7831456" y="1044178"/>
+            <a:ext cx="1904999" cy="273844"/>
           </a:xfrm>
           <a:prstGeom prst="rect">
             <a:avLst/>
@@ -2707,11 +2940,12 @@
         <p:txBody>
           <a:bodyPr vert="horz" lIns="91440" tIns="45720" rIns="91440" bIns="45720" rtlCol="0" anchor="ctr"/>
           <a:lstStyle>
-            <a:lvl1pPr algn="l">
-              <a:defRPr sz="1200">
+            <a:lvl1pPr algn="r">
+              <a:defRPr sz="1050" b="0">
                 <a:solidFill>
-                  <a:schemeClr val="tx1">
-                    <a:tint val="75000"/>
+                  <a:schemeClr val="tx2">
+                    <a:lumMod val="20000"/>
+                    <a:lumOff val="80000"/>
                   </a:schemeClr>
                 </a:solidFill>
               </a:defRPr>
@@ -2720,7 +2954,7 @@
           <a:p>
             <a:fld id="{5BCAD085-E8A6-8845-BD4E-CB4CCA059FC4}" type="datetimeFigureOut">
               <a:rPr lang="en-US" smtClean="0"/>
-              <a:t>9/23/2025</a:t>
+              <a:t>9/24/2025</a:t>
             </a:fld>
             <a:endParaRPr lang="en-US"/>
           </a:p>
@@ -2737,9 +2971,9 @@
           </p:nvPr>
         </p:nvSpPr>
         <p:spPr>
-          <a:xfrm>
-            <a:off x="3124200" y="6356350"/>
-            <a:ext cx="2895600" cy="365125"/>
+          <a:xfrm rot="16200000">
+            <a:off x="6993255" y="4092178"/>
+            <a:ext cx="3581400" cy="273844"/>
           </a:xfrm>
           <a:prstGeom prst="rect">
             <a:avLst/>
@@ -2748,11 +2982,12 @@
         <p:txBody>
           <a:bodyPr vert="horz" lIns="91440" tIns="45720" rIns="91440" bIns="45720" rtlCol="0" anchor="ctr"/>
           <a:lstStyle>
-            <a:lvl1pPr algn="ctr">
-              <a:defRPr sz="1200">
+            <a:lvl1pPr algn="l">
+              <a:defRPr sz="1050">
                 <a:solidFill>
-                  <a:schemeClr val="tx1">
-                    <a:tint val="75000"/>
+                  <a:schemeClr val="tx2">
+                    <a:lumMod val="20000"/>
+                    <a:lumOff val="80000"/>
                   </a:schemeClr>
                 </a:solidFill>
               </a:defRPr>
@@ -2775,21 +3010,24 @@
         </p:nvSpPr>
         <p:spPr>
           <a:xfrm>
-            <a:off x="6553200" y="6356350"/>
-            <a:ext cx="2133600" cy="365125"/>
+            <a:off x="8441055" y="6172201"/>
+            <a:ext cx="685800" cy="593725"/>
           </a:xfrm>
           <a:prstGeom prst="rect">
             <a:avLst/>
           </a:prstGeom>
         </p:spPr>
         <p:txBody>
-          <a:bodyPr vert="horz" lIns="91440" tIns="45720" rIns="91440" bIns="45720" rtlCol="0" anchor="ctr"/>
+          <a:bodyPr vert="horz" lIns="27432" tIns="45720" rIns="27432" bIns="45720" rtlCol="0" anchor="ctr">
+            <a:normAutofit/>
+          </a:bodyPr>
           <a:lstStyle>
-            <a:lvl1pPr algn="r">
-              <a:defRPr sz="1200">
+            <a:lvl1pPr algn="ctr">
+              <a:defRPr sz="3200">
                 <a:solidFill>
-                  <a:schemeClr val="tx1">
-                    <a:tint val="75000"/>
+                  <a:schemeClr val="tx2">
+                    <a:lumMod val="60000"/>
+                    <a:lumOff val="40000"/>
                   </a:schemeClr>
                 </a:solidFill>
               </a:defRPr>
@@ -2807,32 +3045,35 @@
     </p:spTree>
     <p:extLst>
       <p:ext uri="{BB962C8B-B14F-4D97-AF65-F5344CB8AC3E}">
-        <p14:creationId xmlns:p14="http://schemas.microsoft.com/office/powerpoint/2010/main" val="2209977519"/>
+        <p14:creationId xmlns:p14="http://schemas.microsoft.com/office/powerpoint/2010/main" val="1628372987"/>
       </p:ext>
     </p:extLst>
   </p:cSld>
   <p:clrMap bg1="lt1" tx1="dk1" bg2="lt2" tx2="dk2" accent1="accent1" accent2="accent2" accent3="accent3" accent4="accent4" accent5="accent5" accent6="accent6" hlink="hlink" folHlink="folHlink"/>
   <p:sldLayoutIdLst>
-    <p:sldLayoutId id="2147483649" r:id="rId1"/>
-    <p:sldLayoutId id="2147483650" r:id="rId2"/>
-    <p:sldLayoutId id="2147483651" r:id="rId3"/>
-    <p:sldLayoutId id="2147483652" r:id="rId4"/>
-    <p:sldLayoutId id="2147483653" r:id="rId5"/>
-    <p:sldLayoutId id="2147483654" r:id="rId6"/>
-    <p:sldLayoutId id="2147483655" r:id="rId7"/>
-    <p:sldLayoutId id="2147483656" r:id="rId8"/>
-    <p:sldLayoutId id="2147483657" r:id="rId9"/>
-    <p:sldLayoutId id="2147483658" r:id="rId10"/>
-    <p:sldLayoutId id="2147483659" r:id="rId11"/>
+    <p:sldLayoutId id="2147483715" r:id="rId1"/>
+    <p:sldLayoutId id="2147483716" r:id="rId2"/>
+    <p:sldLayoutId id="2147483717" r:id="rId3"/>
+    <p:sldLayoutId id="2147483718" r:id="rId4"/>
+    <p:sldLayoutId id="2147483719" r:id="rId5"/>
+    <p:sldLayoutId id="2147483720" r:id="rId6"/>
+    <p:sldLayoutId id="2147483721" r:id="rId7"/>
+    <p:sldLayoutId id="2147483722" r:id="rId8"/>
+    <p:sldLayoutId id="2147483723" r:id="rId9"/>
+    <p:sldLayoutId id="2147483724" r:id="rId10"/>
+    <p:sldLayoutId id="2147483725" r:id="rId11"/>
   </p:sldLayoutIdLst>
   <p:txStyles>
     <p:titleStyle>
-      <a:lvl1pPr algn="ctr" defTabSz="457200" rtl="0" eaLnBrk="1" latinLnBrk="0" hangingPunct="1">
+      <a:lvl1pPr algn="l" defTabSz="914400" rtl="0" eaLnBrk="1" latinLnBrk="1" hangingPunct="1">
+        <a:lnSpc>
+          <a:spcPct val="90000"/>
+        </a:lnSpc>
         <a:spcBef>
           <a:spcPct val="0"/>
         </a:spcBef>
         <a:buNone/>
-        <a:defRPr sz="4400" kern="1200">
+        <a:defRPr sz="4000" kern="1200" spc="-50" baseline="0">
           <a:solidFill>
             <a:schemeClr val="tx1"/>
           </a:solidFill>
@@ -2843,13 +3084,23 @@
       </a:lvl1pPr>
     </p:titleStyle>
     <p:bodyStyle>
-      <a:lvl1pPr marL="342900" indent="-342900" algn="l" defTabSz="457200" rtl="0" eaLnBrk="1" latinLnBrk="0" hangingPunct="1">
+      <a:lvl1pPr marL="182880" indent="-182880" algn="l" defTabSz="914400" rtl="0" eaLnBrk="1" latinLnBrk="1" hangingPunct="1">
+        <a:lnSpc>
+          <a:spcPct val="95000"/>
+        </a:lnSpc>
         <a:spcBef>
-          <a:spcPct val="20000"/>
+          <a:spcPts val="1400"/>
         </a:spcBef>
-        <a:buFont typeface="Arial"/>
+        <a:spcAft>
+          <a:spcPts val="200"/>
+        </a:spcAft>
+        <a:buClr>
+          <a:schemeClr val="accent1"/>
+        </a:buClr>
+        <a:buSzPct val="80000"/>
+        <a:buFont typeface="Arial" pitchFamily="34" charset="0"/>
         <a:buChar char="•"/>
-        <a:defRPr sz="3200" kern="1200">
+        <a:defRPr sz="1800" kern="1200" spc="10" baseline="0">
           <a:solidFill>
             <a:schemeClr val="tx1"/>
           </a:solidFill>
@@ -2858,120 +3109,216 @@
           <a:cs typeface="+mn-cs"/>
         </a:defRPr>
       </a:lvl1pPr>
-      <a:lvl2pPr marL="742950" indent="-285750" algn="l" defTabSz="457200" rtl="0" eaLnBrk="1" latinLnBrk="0" hangingPunct="1">
+      <a:lvl2pPr marL="457200" indent="-182880" algn="l" defTabSz="914400" rtl="0" eaLnBrk="1" latinLnBrk="1" hangingPunct="1">
+        <a:lnSpc>
+          <a:spcPct val="90000"/>
+        </a:lnSpc>
         <a:spcBef>
-          <a:spcPct val="20000"/>
+          <a:spcPts val="300"/>
         </a:spcBef>
-        <a:buFont typeface="Arial"/>
-        <a:buChar char="–"/>
-        <a:defRPr sz="2800" kern="1200">
+        <a:spcAft>
+          <a:spcPts val="300"/>
+        </a:spcAft>
+        <a:buClr>
+          <a:schemeClr val="accent1"/>
+        </a:buClr>
+        <a:buFont typeface="Wingdings 2" pitchFamily="18" charset="2"/>
+        <a:buChar char=""/>
+        <a:defRPr sz="1600" kern="1200">
           <a:solidFill>
-            <a:schemeClr val="tx1"/>
+            <a:schemeClr val="tx1">
+              <a:lumMod val="85000"/>
+              <a:lumOff val="15000"/>
+            </a:schemeClr>
           </a:solidFill>
           <a:latin typeface="+mn-lt"/>
           <a:ea typeface="+mn-ea"/>
           <a:cs typeface="+mn-cs"/>
         </a:defRPr>
       </a:lvl2pPr>
-      <a:lvl3pPr marL="1143000" indent="-228600" algn="l" defTabSz="457200" rtl="0" eaLnBrk="1" latinLnBrk="0" hangingPunct="1">
+      <a:lvl3pPr marL="731520" indent="-182880" algn="l" defTabSz="914400" rtl="0" eaLnBrk="1" latinLnBrk="1" hangingPunct="1">
+        <a:lnSpc>
+          <a:spcPct val="90000"/>
+        </a:lnSpc>
         <a:spcBef>
-          <a:spcPct val="20000"/>
+          <a:spcPts val="300"/>
         </a:spcBef>
-        <a:buFont typeface="Arial"/>
-        <a:buChar char="•"/>
-        <a:defRPr sz="2400" kern="1200">
+        <a:spcAft>
+          <a:spcPts val="300"/>
+        </a:spcAft>
+        <a:buClr>
+          <a:schemeClr val="accent1"/>
+        </a:buClr>
+        <a:buFont typeface="Wingdings 2" pitchFamily="18" charset="2"/>
+        <a:buChar char=""/>
+        <a:defRPr sz="1400" kern="1200">
           <a:solidFill>
-            <a:schemeClr val="tx1"/>
+            <a:schemeClr val="tx1">
+              <a:lumMod val="85000"/>
+              <a:lumOff val="15000"/>
+            </a:schemeClr>
           </a:solidFill>
           <a:latin typeface="+mn-lt"/>
           <a:ea typeface="+mn-ea"/>
           <a:cs typeface="+mn-cs"/>
         </a:defRPr>
       </a:lvl3pPr>
-      <a:lvl4pPr marL="1600200" indent="-228600" algn="l" defTabSz="457200" rtl="0" eaLnBrk="1" latinLnBrk="0" hangingPunct="1">
+      <a:lvl4pPr marL="1005840" indent="-182880" algn="l" defTabSz="914400" rtl="0" eaLnBrk="1" latinLnBrk="1" hangingPunct="1">
+        <a:lnSpc>
+          <a:spcPct val="90000"/>
+        </a:lnSpc>
         <a:spcBef>
-          <a:spcPct val="20000"/>
+          <a:spcPts val="300"/>
         </a:spcBef>
-        <a:buFont typeface="Arial"/>
-        <a:buChar char="–"/>
-        <a:defRPr sz="2000" kern="1200">
+        <a:spcAft>
+          <a:spcPts val="300"/>
+        </a:spcAft>
+        <a:buClr>
+          <a:schemeClr val="accent1"/>
+        </a:buClr>
+        <a:buFont typeface="Wingdings 2" pitchFamily="18" charset="2"/>
+        <a:buChar char=""/>
+        <a:defRPr sz="1400" kern="1200">
           <a:solidFill>
-            <a:schemeClr val="tx1"/>
+            <a:schemeClr val="tx1">
+              <a:lumMod val="85000"/>
+              <a:lumOff val="15000"/>
+            </a:schemeClr>
           </a:solidFill>
           <a:latin typeface="+mn-lt"/>
           <a:ea typeface="+mn-ea"/>
           <a:cs typeface="+mn-cs"/>
         </a:defRPr>
       </a:lvl4pPr>
-      <a:lvl5pPr marL="2057400" indent="-228600" algn="l" defTabSz="457200" rtl="0" eaLnBrk="1" latinLnBrk="0" hangingPunct="1">
+      <a:lvl5pPr marL="1280160" indent="-182880" algn="l" defTabSz="914400" rtl="0" eaLnBrk="1" latinLnBrk="1" hangingPunct="1">
+        <a:lnSpc>
+          <a:spcPct val="90000"/>
+        </a:lnSpc>
         <a:spcBef>
-          <a:spcPct val="20000"/>
+          <a:spcPts val="300"/>
         </a:spcBef>
-        <a:buFont typeface="Arial"/>
-        <a:buChar char="»"/>
-        <a:defRPr sz="2000" kern="1200">
+        <a:spcAft>
+          <a:spcPts val="300"/>
+        </a:spcAft>
+        <a:buClr>
+          <a:schemeClr val="accent1"/>
+        </a:buClr>
+        <a:buFont typeface="Wingdings 2" pitchFamily="18" charset="2"/>
+        <a:buChar char=""/>
+        <a:defRPr sz="1400" kern="1200">
           <a:solidFill>
-            <a:schemeClr val="tx1"/>
+            <a:schemeClr val="tx1">
+              <a:lumMod val="85000"/>
+              <a:lumOff val="15000"/>
+            </a:schemeClr>
           </a:solidFill>
           <a:latin typeface="+mn-lt"/>
           <a:ea typeface="+mn-ea"/>
           <a:cs typeface="+mn-cs"/>
         </a:defRPr>
       </a:lvl5pPr>
-      <a:lvl6pPr marL="2514600" indent="-228600" algn="l" defTabSz="457200" rtl="0" eaLnBrk="1" latinLnBrk="0" hangingPunct="1">
+      <a:lvl6pPr marL="1600000" indent="-228600" algn="l" defTabSz="914400" rtl="0" eaLnBrk="1" latinLnBrk="1" hangingPunct="1">
+        <a:lnSpc>
+          <a:spcPct val="90000"/>
+        </a:lnSpc>
         <a:spcBef>
-          <a:spcPct val="20000"/>
+          <a:spcPts val="300"/>
         </a:spcBef>
-        <a:buFont typeface="Arial"/>
-        <a:buChar char="•"/>
-        <a:defRPr sz="2000" kern="1200">
+        <a:spcAft>
+          <a:spcPts val="300"/>
+        </a:spcAft>
+        <a:buClr>
+          <a:schemeClr val="accent1"/>
+        </a:buClr>
+        <a:buFont typeface="Wingdings 2" pitchFamily="18" charset="2"/>
+        <a:buChar char=""/>
+        <a:defRPr sz="1400" kern="1200">
           <a:solidFill>
-            <a:schemeClr val="tx1"/>
+            <a:schemeClr val="tx1">
+              <a:lumMod val="85000"/>
+              <a:lumOff val="15000"/>
+            </a:schemeClr>
           </a:solidFill>
           <a:latin typeface="+mn-lt"/>
           <a:ea typeface="+mn-ea"/>
           <a:cs typeface="+mn-cs"/>
         </a:defRPr>
       </a:lvl6pPr>
-      <a:lvl7pPr marL="2971800" indent="-228600" algn="l" defTabSz="457200" rtl="0" eaLnBrk="1" latinLnBrk="0" hangingPunct="1">
+      <a:lvl7pPr marL="1900000" indent="-228600" algn="l" defTabSz="914400" rtl="0" eaLnBrk="1" latinLnBrk="1" hangingPunct="1">
+        <a:lnSpc>
+          <a:spcPct val="90000"/>
+        </a:lnSpc>
         <a:spcBef>
-          <a:spcPct val="20000"/>
+          <a:spcPts val="300"/>
         </a:spcBef>
-        <a:buFont typeface="Arial"/>
-        <a:buChar char="•"/>
-        <a:defRPr sz="2000" kern="1200">
+        <a:spcAft>
+          <a:spcPts val="300"/>
+        </a:spcAft>
+        <a:buClr>
+          <a:schemeClr val="accent1"/>
+        </a:buClr>
+        <a:buFont typeface="Wingdings 2" pitchFamily="18" charset="2"/>
+        <a:buChar char=""/>
+        <a:defRPr sz="1400" kern="1200">
           <a:solidFill>
-            <a:schemeClr val="tx1"/>
+            <a:schemeClr val="tx1">
+              <a:lumMod val="85000"/>
+              <a:lumOff val="15000"/>
+            </a:schemeClr>
           </a:solidFill>
           <a:latin typeface="+mn-lt"/>
           <a:ea typeface="+mn-ea"/>
           <a:cs typeface="+mn-cs"/>
         </a:defRPr>
       </a:lvl7pPr>
-      <a:lvl8pPr marL="3429000" indent="-228600" algn="l" defTabSz="457200" rtl="0" eaLnBrk="1" latinLnBrk="0" hangingPunct="1">
+      <a:lvl8pPr marL="2200000" indent="-228600" algn="l" defTabSz="914400" rtl="0" eaLnBrk="1" latinLnBrk="1" hangingPunct="1">
+        <a:lnSpc>
+          <a:spcPct val="90000"/>
+        </a:lnSpc>
         <a:spcBef>
-          <a:spcPct val="20000"/>
+          <a:spcPts val="300"/>
         </a:spcBef>
-        <a:buFont typeface="Arial"/>
-        <a:buChar char="•"/>
-        <a:defRPr sz="2000" kern="1200">
+        <a:spcAft>
+          <a:spcPts val="300"/>
+        </a:spcAft>
+        <a:buClr>
+          <a:schemeClr val="accent1"/>
+        </a:buClr>
+        <a:buFont typeface="Wingdings 2" pitchFamily="18" charset="2"/>
+        <a:buChar char=""/>
+        <a:defRPr sz="1400" kern="1200">
           <a:solidFill>
-            <a:schemeClr val="tx1"/>
+            <a:schemeClr val="tx1">
+              <a:lumMod val="85000"/>
+              <a:lumOff val="15000"/>
+            </a:schemeClr>
           </a:solidFill>
           <a:latin typeface="+mn-lt"/>
           <a:ea typeface="+mn-ea"/>
           <a:cs typeface="+mn-cs"/>
         </a:defRPr>
       </a:lvl8pPr>
-      <a:lvl9pPr marL="3886200" indent="-228600" algn="l" defTabSz="457200" rtl="0" eaLnBrk="1" latinLnBrk="0" hangingPunct="1">
+      <a:lvl9pPr marL="2500000" indent="-228600" algn="l" defTabSz="914400" rtl="0" eaLnBrk="1" latinLnBrk="1" hangingPunct="1">
+        <a:lnSpc>
+          <a:spcPct val="90000"/>
+        </a:lnSpc>
         <a:spcBef>
-          <a:spcPct val="20000"/>
+          <a:spcPts val="300"/>
         </a:spcBef>
-        <a:buFont typeface="Arial"/>
-        <a:buChar char="•"/>
-        <a:defRPr sz="2000" kern="1200">
+        <a:spcAft>
+          <a:spcPts val="300"/>
+        </a:spcAft>
+        <a:buClr>
+          <a:schemeClr val="accent1"/>
+        </a:buClr>
+        <a:buFont typeface="Wingdings 2" pitchFamily="18" charset="2"/>
+        <a:buChar char=""/>
+        <a:defRPr sz="1400" kern="1200">
           <a:solidFill>
-            <a:schemeClr val="tx1"/>
+            <a:schemeClr val="tx1">
+              <a:lumMod val="85000"/>
+              <a:lumOff val="15000"/>
+            </a:schemeClr>
           </a:solidFill>
           <a:latin typeface="+mn-lt"/>
           <a:ea typeface="+mn-ea"/>
@@ -2983,7 +3330,7 @@
       <a:defPPr>
         <a:defRPr lang="en-US"/>
       </a:defPPr>
-      <a:lvl1pPr marL="0" algn="l" defTabSz="457200" rtl="0" eaLnBrk="1" latinLnBrk="0" hangingPunct="1">
+      <a:lvl1pPr marL="0" algn="l" defTabSz="914400" rtl="0" eaLnBrk="1" latinLnBrk="1" hangingPunct="1">
         <a:defRPr sz="1800" kern="1200">
           <a:solidFill>
             <a:schemeClr val="tx1"/>
@@ -2993,7 +3340,7 @@
           <a:cs typeface="+mn-cs"/>
         </a:defRPr>
       </a:lvl1pPr>
-      <a:lvl2pPr marL="457200" algn="l" defTabSz="457200" rtl="0" eaLnBrk="1" latinLnBrk="0" hangingPunct="1">
+      <a:lvl2pPr marL="457200" algn="l" defTabSz="914400" rtl="0" eaLnBrk="1" latinLnBrk="1" hangingPunct="1">
         <a:defRPr sz="1800" kern="1200">
           <a:solidFill>
             <a:schemeClr val="tx1"/>
@@ -3003,7 +3350,7 @@
           <a:cs typeface="+mn-cs"/>
         </a:defRPr>
       </a:lvl2pPr>
-      <a:lvl3pPr marL="914400" algn="l" defTabSz="457200" rtl="0" eaLnBrk="1" latinLnBrk="0" hangingPunct="1">
+      <a:lvl3pPr marL="914400" algn="l" defTabSz="914400" rtl="0" eaLnBrk="1" latinLnBrk="1" hangingPunct="1">
         <a:defRPr sz="1800" kern="1200">
           <a:solidFill>
             <a:schemeClr val="tx1"/>
@@ -3013,7 +3360,7 @@
           <a:cs typeface="+mn-cs"/>
         </a:defRPr>
       </a:lvl3pPr>
-      <a:lvl4pPr marL="1371600" algn="l" defTabSz="457200" rtl="0" eaLnBrk="1" latinLnBrk="0" hangingPunct="1">
+      <a:lvl4pPr marL="1371600" algn="l" defTabSz="914400" rtl="0" eaLnBrk="1" latinLnBrk="1" hangingPunct="1">
         <a:defRPr sz="1800" kern="1200">
           <a:solidFill>
             <a:schemeClr val="tx1"/>
@@ -3023,7 +3370,7 @@
           <a:cs typeface="+mn-cs"/>
         </a:defRPr>
       </a:lvl4pPr>
-      <a:lvl5pPr marL="1828800" algn="l" defTabSz="457200" rtl="0" eaLnBrk="1" latinLnBrk="0" hangingPunct="1">
+      <a:lvl5pPr marL="1828800" algn="l" defTabSz="914400" rtl="0" eaLnBrk="1" latinLnBrk="1" hangingPunct="1">
         <a:defRPr sz="1800" kern="1200">
           <a:solidFill>
             <a:schemeClr val="tx1"/>
@@ -3033,7 +3380,7 @@
           <a:cs typeface="+mn-cs"/>
         </a:defRPr>
       </a:lvl5pPr>
-      <a:lvl6pPr marL="2286000" algn="l" defTabSz="457200" rtl="0" eaLnBrk="1" latinLnBrk="0" hangingPunct="1">
+      <a:lvl6pPr marL="2286000" algn="l" defTabSz="914400" rtl="0" eaLnBrk="1" latinLnBrk="1" hangingPunct="1">
         <a:defRPr sz="1800" kern="1200">
           <a:solidFill>
             <a:schemeClr val="tx1"/>
@@ -3043,7 +3390,7 @@
           <a:cs typeface="+mn-cs"/>
         </a:defRPr>
       </a:lvl6pPr>
-      <a:lvl7pPr marL="2743200" algn="l" defTabSz="457200" rtl="0" eaLnBrk="1" latinLnBrk="0" hangingPunct="1">
+      <a:lvl7pPr marL="2743200" algn="l" defTabSz="914400" rtl="0" eaLnBrk="1" latinLnBrk="1" hangingPunct="1">
         <a:defRPr sz="1800" kern="1200">
           <a:solidFill>
             <a:schemeClr val="tx1"/>
@@ -3053,7 +3400,7 @@
           <a:cs typeface="+mn-cs"/>
         </a:defRPr>
       </a:lvl7pPr>
-      <a:lvl8pPr marL="3200400" algn="l" defTabSz="457200" rtl="0" eaLnBrk="1" latinLnBrk="0" hangingPunct="1">
+      <a:lvl8pPr marL="3200400" algn="l" defTabSz="914400" rtl="0" eaLnBrk="1" latinLnBrk="1" hangingPunct="1">
         <a:defRPr sz="1800" kern="1200">
           <a:solidFill>
             <a:schemeClr val="tx1"/>
@@ -3063,7 +3410,7 @@
           <a:cs typeface="+mn-cs"/>
         </a:defRPr>
       </a:lvl8pPr>
-      <a:lvl9pPr marL="3657600" algn="l" defTabSz="457200" rtl="0" eaLnBrk="1" latinLnBrk="0" hangingPunct="1">
+      <a:lvl9pPr marL="3657600" algn="l" defTabSz="914400" rtl="0" eaLnBrk="1" latinLnBrk="1" hangingPunct="1">
         <a:defRPr sz="1800" kern="1200">
           <a:solidFill>
             <a:schemeClr val="tx1"/>
@@ -3111,7 +3458,12 @@
             <p:ph type="title"/>
           </p:nvPr>
         </p:nvSpPr>
-        <p:spPr/>
+        <p:spPr>
+          <a:xfrm>
+            <a:off x="685800" y="4373446"/>
+            <a:ext cx="7772400" cy="1362075"/>
+          </a:xfrm>
+        </p:spPr>
         <p:txBody>
           <a:bodyPr>
             <a:normAutofit/>
@@ -3121,6 +3473,11 @@
             <a:pPr algn="ctr"/>
             <a:r>
               <a:rPr lang="en-US" altLang="ko-KR" sz="2400" dirty="0">
+                <a:solidFill>
+                  <a:schemeClr val="bg1">
+                    <a:lumMod val="50000"/>
+                  </a:schemeClr>
+                </a:solidFill>
                 <a:latin typeface="+mn-ea"/>
                 <a:ea typeface="+mn-ea"/>
               </a:rPr>
@@ -3128,12 +3485,22 @@
             </a:r>
             <a:r>
               <a:rPr lang="ko-KR" altLang="en-US" sz="2400" dirty="0" err="1">
+                <a:solidFill>
+                  <a:schemeClr val="bg1">
+                    <a:lumMod val="50000"/>
+                  </a:schemeClr>
+                </a:solidFill>
                 <a:latin typeface="+mn-ea"/>
                 <a:ea typeface="+mn-ea"/>
               </a:rPr>
               <a:t>정미주</a:t>
             </a:r>
             <a:endParaRPr lang="ko-KR" altLang="en-US" sz="2400" dirty="0">
+              <a:solidFill>
+                <a:schemeClr val="bg1">
+                  <a:lumMod val="50000"/>
+                </a:schemeClr>
+              </a:solidFill>
               <a:latin typeface="+mn-ea"/>
               <a:ea typeface="+mn-ea"/>
             </a:endParaRPr>
@@ -3156,15 +3523,27 @@
             <p:ph type="body" idx="1"/>
           </p:nvPr>
         </p:nvSpPr>
-        <p:spPr/>
+        <p:spPr>
+          <a:xfrm>
+            <a:off x="685800" y="2484554"/>
+            <a:ext cx="7772400" cy="1500187"/>
+          </a:xfrm>
+        </p:spPr>
         <p:txBody>
-          <a:bodyPr>
+          <a:bodyPr anchor="ctr">
             <a:normAutofit/>
           </a:bodyPr>
           <a:lstStyle/>
           <a:p>
             <a:pPr algn="ctr"/>
-            <a:endParaRPr lang="ko-KR" altLang="en-US" sz="4800" dirty="0"/>
+            <a:r>
+              <a:rPr lang="ko-KR" altLang="en-US" sz="4800" dirty="0">
+                <a:solidFill>
+                  <a:schemeClr val="tx1"/>
+                </a:solidFill>
+              </a:rPr>
+              <a:t>어셈블리프로그래밍 과제</a:t>
+            </a:r>
           </a:p>
         </p:txBody>
       </p:sp>
@@ -3210,8 +3589,8 @@
         </p:nvSpPr>
         <p:spPr>
           <a:xfrm>
-            <a:off x="457200" y="184075"/>
-            <a:ext cx="8229600" cy="1143000"/>
+            <a:off x="2060186" y="-123156"/>
+            <a:ext cx="5023625" cy="1143000"/>
           </a:xfrm>
         </p:spPr>
         <p:txBody>
@@ -3792,7 +4171,7 @@
         </p:blipFill>
         <p:spPr bwMode="auto">
           <a:xfrm>
-            <a:off x="7186961" y="2419813"/>
+            <a:off x="7186961" y="2074123"/>
             <a:ext cx="1193180" cy="1193180"/>
           </a:xfrm>
           <a:prstGeom prst="rect">
@@ -3839,7 +4218,7 @@
         </p:blipFill>
         <p:spPr bwMode="auto">
           <a:xfrm>
-            <a:off x="7186961" y="3624144"/>
+            <a:off x="7186961" y="3278454"/>
             <a:ext cx="1193180" cy="1193180"/>
           </a:xfrm>
           <a:prstGeom prst="rect">
@@ -3886,7 +4265,7 @@
         </p:blipFill>
         <p:spPr bwMode="auto">
           <a:xfrm>
-            <a:off x="7186961" y="4862490"/>
+            <a:off x="7186961" y="4516800"/>
             <a:ext cx="1193180" cy="1193180"/>
           </a:xfrm>
           <a:prstGeom prst="rect">
@@ -4007,8 +4386,8 @@
         </p:nvSpPr>
         <p:spPr>
           <a:xfrm>
-            <a:off x="457200" y="180368"/>
-            <a:ext cx="8229600" cy="1143000"/>
+            <a:off x="3861804" y="-62566"/>
+            <a:ext cx="1515176" cy="1143000"/>
           </a:xfrm>
         </p:spPr>
         <p:txBody>
@@ -4606,7 +4985,7 @@
         </p:blipFill>
         <p:spPr bwMode="auto">
           <a:xfrm>
-            <a:off x="7192534" y="2400302"/>
+            <a:off x="7192534" y="2188433"/>
             <a:ext cx="1229420" cy="1229420"/>
           </a:xfrm>
           <a:prstGeom prst="rect">
@@ -4653,7 +5032,7 @@
         </p:blipFill>
         <p:spPr bwMode="auto">
           <a:xfrm>
-            <a:off x="7192534" y="3585118"/>
+            <a:off x="7192534" y="3373249"/>
             <a:ext cx="1229420" cy="1229420"/>
           </a:xfrm>
           <a:prstGeom prst="rect">
@@ -4700,7 +5079,7 @@
         </p:blipFill>
         <p:spPr bwMode="auto">
           <a:xfrm>
-            <a:off x="7192534" y="4779693"/>
+            <a:off x="7192534" y="4567824"/>
             <a:ext cx="1229420" cy="1229420"/>
           </a:xfrm>
           <a:prstGeom prst="rect">
@@ -4821,8 +5200,8 @@
         </p:nvSpPr>
         <p:spPr>
           <a:xfrm>
-            <a:off x="457200" y="152929"/>
-            <a:ext cx="8229600" cy="1143000"/>
+            <a:off x="2419813" y="-98730"/>
+            <a:ext cx="4304371" cy="1143000"/>
           </a:xfrm>
         </p:spPr>
         <p:txBody>
@@ -4875,46 +5254,66 @@
             <a:pPr>
               <a:defRPr sz="1400"/>
             </a:pPr>
-            <a:endParaRPr lang="en-US" dirty="0"/>
+            <a:endParaRPr lang="en-US" dirty="0">
+              <a:latin typeface="+mn-ea"/>
+            </a:endParaRPr>
           </a:p>
           <a:p>
             <a:pPr>
               <a:defRPr sz="1400"/>
             </a:pPr>
             <a:r>
-              <a:rPr lang="en-US" altLang="ko-KR" dirty="0"/>
+              <a:rPr lang="en-US" altLang="ko-KR" dirty="0">
+                <a:latin typeface="+mn-ea"/>
+              </a:rPr>
               <a:t>CPU</a:t>
             </a:r>
             <a:r>
-              <a:rPr lang="ko-KR" altLang="en-US" dirty="0"/>
+              <a:rPr lang="ko-KR" altLang="en-US" dirty="0">
+                <a:latin typeface="+mn-ea"/>
+              </a:rPr>
               <a:t>만으로는 대규모 병렬 연산</a:t>
             </a:r>
             <a:r>
-              <a:rPr lang="en-US" altLang="ko-KR" dirty="0"/>
+              <a:rPr lang="en-US" altLang="ko-KR" dirty="0">
+                <a:latin typeface="+mn-ea"/>
+              </a:rPr>
               <a:t>(</a:t>
             </a:r>
             <a:r>
-              <a:rPr lang="ko-KR" altLang="en-US" dirty="0"/>
+              <a:rPr lang="ko-KR" altLang="en-US" dirty="0">
+                <a:latin typeface="+mn-ea"/>
+              </a:rPr>
               <a:t>그래픽</a:t>
             </a:r>
             <a:r>
-              <a:rPr lang="en-US" altLang="ko-KR" dirty="0"/>
+              <a:rPr lang="en-US" altLang="ko-KR" dirty="0">
+                <a:latin typeface="+mn-ea"/>
+              </a:rPr>
               <a:t>·AI </a:t>
             </a:r>
             <a:r>
-              <a:rPr lang="ko-KR" altLang="en-US" dirty="0"/>
+              <a:rPr lang="ko-KR" altLang="en-US" dirty="0">
+                <a:latin typeface="+mn-ea"/>
+              </a:rPr>
               <a:t>처리</a:t>
             </a:r>
             <a:r>
-              <a:rPr lang="en-US" altLang="ko-KR" dirty="0"/>
+              <a:rPr lang="en-US" altLang="ko-KR" dirty="0">
+                <a:latin typeface="+mn-ea"/>
+              </a:rPr>
               <a:t>)</a:t>
             </a:r>
             <a:r>
-              <a:rPr lang="ko-KR" altLang="en-US" dirty="0"/>
+              <a:rPr lang="ko-KR" altLang="en-US" dirty="0">
+                <a:latin typeface="+mn-ea"/>
+              </a:rPr>
               <a:t>에 한계</a:t>
             </a:r>
             <a:r>
-              <a:rPr lang="en-US" altLang="ko-KR" dirty="0"/>
+              <a:rPr lang="en-US" altLang="ko-KR" dirty="0">
+                <a:latin typeface="+mn-ea"/>
+              </a:rPr>
               <a:t>,</a:t>
             </a:r>
           </a:p>
@@ -4923,67 +5322,99 @@
               <a:defRPr sz="1400"/>
             </a:pPr>
             <a:r>
-              <a:rPr dirty="0" err="1"/>
+              <a:rPr dirty="0" err="1">
+                <a:latin typeface="+mn-ea"/>
+              </a:rPr>
               <a:t>병렬</a:t>
             </a:r>
             <a:r>
-              <a:rPr dirty="0"/>
+              <a:rPr dirty="0">
+                <a:latin typeface="+mn-ea"/>
+              </a:rPr>
               <a:t> </a:t>
             </a:r>
             <a:r>
-              <a:rPr dirty="0" err="1"/>
+              <a:rPr dirty="0" err="1">
+                <a:latin typeface="+mn-ea"/>
+              </a:rPr>
               <a:t>연산에</a:t>
             </a:r>
             <a:r>
-              <a:rPr dirty="0"/>
+              <a:rPr dirty="0">
+                <a:latin typeface="+mn-ea"/>
+              </a:rPr>
               <a:t> </a:t>
             </a:r>
             <a:r>
-              <a:rPr dirty="0" err="1"/>
+              <a:rPr dirty="0" err="1">
+                <a:latin typeface="+mn-ea"/>
+              </a:rPr>
               <a:t>특화되어</a:t>
             </a:r>
             <a:r>
-              <a:rPr dirty="0"/>
+              <a:rPr dirty="0">
+                <a:latin typeface="+mn-ea"/>
+              </a:rPr>
               <a:t> </a:t>
             </a:r>
             <a:r>
-              <a:rPr dirty="0" err="1"/>
+              <a:rPr dirty="0" err="1">
+                <a:latin typeface="+mn-ea"/>
+              </a:rPr>
               <a:t>그래픽</a:t>
             </a:r>
             <a:r>
-              <a:rPr dirty="0"/>
+              <a:rPr dirty="0">
+                <a:latin typeface="+mn-ea"/>
+              </a:rPr>
               <a:t> </a:t>
             </a:r>
             <a:r>
-              <a:rPr dirty="0" err="1"/>
+              <a:rPr dirty="0" err="1">
+                <a:latin typeface="+mn-ea"/>
+              </a:rPr>
               <a:t>처리와</a:t>
             </a:r>
             <a:r>
-              <a:rPr dirty="0"/>
+              <a:rPr dirty="0">
+                <a:latin typeface="+mn-ea"/>
+              </a:rPr>
               <a:t> AI </a:t>
             </a:r>
             <a:r>
-              <a:rPr dirty="0" err="1"/>
+              <a:rPr dirty="0" err="1">
+                <a:latin typeface="+mn-ea"/>
+              </a:rPr>
               <a:t>연산에</a:t>
             </a:r>
             <a:r>
-              <a:rPr dirty="0"/>
+              <a:rPr dirty="0">
+                <a:latin typeface="+mn-ea"/>
+              </a:rPr>
               <a:t> </a:t>
             </a:r>
             <a:r>
-              <a:rPr dirty="0" err="1"/>
+              <a:rPr dirty="0" err="1">
+                <a:latin typeface="+mn-ea"/>
+              </a:rPr>
               <a:t>필수적인</a:t>
             </a:r>
             <a:r>
-              <a:rPr dirty="0"/>
+              <a:rPr dirty="0">
+                <a:latin typeface="+mn-ea"/>
+              </a:rPr>
               <a:t> </a:t>
             </a:r>
             <a:r>
-              <a:rPr dirty="0" err="1"/>
+              <a:rPr dirty="0" err="1">
+                <a:latin typeface="+mn-ea"/>
+              </a:rPr>
               <a:t>장치</a:t>
             </a:r>
             <a:r>
-              <a:rPr dirty="0"/>
+              <a:rPr dirty="0">
+                <a:latin typeface="+mn-ea"/>
+              </a:rPr>
               <a:t>.</a:t>
             </a:r>
           </a:p>
@@ -5421,7 +5852,7 @@
         </p:blipFill>
         <p:spPr bwMode="auto">
           <a:xfrm>
-            <a:off x="7226687" y="2517736"/>
+            <a:off x="7226687" y="2339320"/>
             <a:ext cx="1136727" cy="1136727"/>
           </a:xfrm>
           <a:prstGeom prst="rect">
@@ -5468,7 +5899,7 @@
         </p:blipFill>
         <p:spPr bwMode="auto">
           <a:xfrm>
-            <a:off x="7226687" y="3695758"/>
+            <a:off x="7226687" y="3517342"/>
             <a:ext cx="1136727" cy="1136727"/>
           </a:xfrm>
           <a:prstGeom prst="rect">
@@ -5515,7 +5946,7 @@
         </p:blipFill>
         <p:spPr bwMode="auto">
           <a:xfrm>
-            <a:off x="7226688" y="4873781"/>
+            <a:off x="7226688" y="4695365"/>
             <a:ext cx="1136728" cy="1136728"/>
           </a:xfrm>
           <a:prstGeom prst="rect">
@@ -5664,8 +6095,8 @@
         </p:nvSpPr>
         <p:spPr>
           <a:xfrm>
-            <a:off x="457199" y="32427"/>
-            <a:ext cx="8229600" cy="1143000"/>
+            <a:off x="1550016" y="-133104"/>
+            <a:ext cx="6043962" cy="1143000"/>
           </a:xfrm>
         </p:spPr>
         <p:txBody>
@@ -7492,18 +7923,119 @@
             <p:ph type="title"/>
           </p:nvPr>
         </p:nvSpPr>
-        <p:spPr/>
+        <p:spPr>
+          <a:xfrm>
+            <a:off x="2536721" y="-178419"/>
+            <a:ext cx="4070558" cy="1325562"/>
+          </a:xfrm>
+        </p:spPr>
         <p:txBody>
           <a:bodyPr/>
           <a:lstStyle/>
           <a:p>
             <a:r>
-              <a:rPr lang="ko-KR" altLang="en-US" dirty="0"/>
-              <a:t>내가 사용하는 제품들</a:t>
+              <a:rPr lang="en-US" altLang="ko-KR" dirty="0">
+                <a:latin typeface="+mj-ea"/>
+              </a:rPr>
+              <a:t>Products I Use…</a:t>
             </a:r>
           </a:p>
         </p:txBody>
       </p:sp>
+      <p:pic>
+        <p:nvPicPr>
+          <p:cNvPr id="1026" name="Picture 2" descr="삼성, 세계최초 QLED 노트북 갤럭시 북 플렉스 / 이온 발표 &gt; 하드웨어 뉴스 | 퀘이사존 QUASARZONE">
+            <a:extLst>
+              <a:ext uri="{FF2B5EF4-FFF2-40B4-BE49-F238E27FC236}">
+                <a16:creationId xmlns:a16="http://schemas.microsoft.com/office/drawing/2014/main" id="{EE2CA483-2A81-448E-3CAF-6B922D71FDB1}"/>
+              </a:ext>
+            </a:extLst>
+          </p:cNvPr>
+          <p:cNvPicPr>
+            <a:picLocks noChangeAspect="1" noChangeArrowheads="1"/>
+          </p:cNvPicPr>
+          <p:nvPr/>
+        </p:nvPicPr>
+        <p:blipFill>
+          <a:blip r:embed="rId2">
+            <a:extLst>
+              <a:ext uri="{28A0092B-C50C-407E-A947-70E740481C1C}">
+                <a14:useLocalDpi xmlns:a14="http://schemas.microsoft.com/office/drawing/2010/main" val="0"/>
+              </a:ext>
+            </a:extLst>
+          </a:blip>
+          <a:srcRect/>
+          <a:stretch>
+            <a:fillRect/>
+          </a:stretch>
+        </p:blipFill>
+        <p:spPr bwMode="auto">
+          <a:xfrm>
+            <a:off x="824126" y="2412496"/>
+            <a:ext cx="3747874" cy="2494040"/>
+          </a:xfrm>
+          <a:prstGeom prst="rect">
+            <a:avLst/>
+          </a:prstGeom>
+          <a:noFill/>
+          <a:extLst>
+            <a:ext uri="{909E8E84-426E-40DD-AFC4-6F175D3DCCD1}">
+              <a14:hiddenFill xmlns:a14="http://schemas.microsoft.com/office/drawing/2010/main">
+                <a:solidFill>
+                  <a:srgbClr val="FFFFFF"/>
+                </a:solidFill>
+              </a14:hiddenFill>
+            </a:ext>
+          </a:extLst>
+        </p:spPr>
+      </p:pic>
+      <p:pic>
+        <p:nvPicPr>
+          <p:cNvPr id="1028" name="Picture 4" descr="무선마우스 CHUYI-2.4G 무선 광학 마우스 귀여운 햄스터 만화 컴퓨터 인체 공학적 미니 3D 사무실 아이 소-모바일 11번가">
+            <a:extLst>
+              <a:ext uri="{FF2B5EF4-FFF2-40B4-BE49-F238E27FC236}">
+                <a16:creationId xmlns:a16="http://schemas.microsoft.com/office/drawing/2014/main" id="{E5C7CDBE-CB8F-9C4A-0C88-8BD01907392C}"/>
+              </a:ext>
+            </a:extLst>
+          </p:cNvPr>
+          <p:cNvPicPr>
+            <a:picLocks noChangeAspect="1" noChangeArrowheads="1"/>
+          </p:cNvPicPr>
+          <p:nvPr/>
+        </p:nvPicPr>
+        <p:blipFill>
+          <a:blip r:embed="rId3">
+            <a:extLst>
+              <a:ext uri="{28A0092B-C50C-407E-A947-70E740481C1C}">
+                <a14:useLocalDpi xmlns:a14="http://schemas.microsoft.com/office/drawing/2010/main" val="0"/>
+              </a:ext>
+            </a:extLst>
+          </a:blip>
+          <a:srcRect/>
+          <a:stretch>
+            <a:fillRect/>
+          </a:stretch>
+        </p:blipFill>
+        <p:spPr bwMode="auto">
+          <a:xfrm>
+            <a:off x="4816281" y="2763411"/>
+            <a:ext cx="2143125" cy="2143125"/>
+          </a:xfrm>
+          <a:prstGeom prst="rect">
+            <a:avLst/>
+          </a:prstGeom>
+          <a:noFill/>
+          <a:extLst>
+            <a:ext uri="{909E8E84-426E-40DD-AFC4-6F175D3DCCD1}">
+              <a14:hiddenFill xmlns:a14="http://schemas.microsoft.com/office/drawing/2010/main">
+                <a:solidFill>
+                  <a:srgbClr val="FFFFFF"/>
+                </a:solidFill>
+              </a14:hiddenFill>
+            </a:ext>
+          </a:extLst>
+        </p:spPr>
+      </p:pic>
     </p:spTree>
     <p:extLst>
       <p:ext uri="{BB962C8B-B14F-4D97-AF65-F5344CB8AC3E}">
@@ -7517,94 +8049,129 @@
 </p:sld>
 </file>
 
+<file path=ppt/slides/slide7.xml><?xml version="1.0" encoding="utf-8"?>
+<p:sld xmlns:a="http://schemas.openxmlformats.org/drawingml/2006/main" xmlns:r="http://schemas.openxmlformats.org/officeDocument/2006/relationships" xmlns:p="http://schemas.openxmlformats.org/presentationml/2006/main">
+  <p:cSld>
+    <p:spTree>
+      <p:nvGrpSpPr>
+        <p:cNvPr id="1" name=""/>
+        <p:cNvGrpSpPr/>
+        <p:nvPr/>
+      </p:nvGrpSpPr>
+      <p:grpSpPr>
+        <a:xfrm>
+          <a:off x="0" y="0"/>
+          <a:ext cx="0" cy="0"/>
+          <a:chOff x="0" y="0"/>
+          <a:chExt cx="0" cy="0"/>
+        </a:xfrm>
+      </p:grpSpPr>
+      <p:sp>
+        <p:nvSpPr>
+          <p:cNvPr id="2" name="제목 1">
+            <a:extLst>
+              <a:ext uri="{FF2B5EF4-FFF2-40B4-BE49-F238E27FC236}">
+                <a16:creationId xmlns:a16="http://schemas.microsoft.com/office/drawing/2014/main" id="{EF3EA9AF-98CC-6496-B585-48236E757886}"/>
+              </a:ext>
+            </a:extLst>
+          </p:cNvPr>
+          <p:cNvSpPr>
+            <a:spLocks noGrp="1"/>
+          </p:cNvSpPr>
+          <p:nvPr>
+            <p:ph type="title"/>
+          </p:nvPr>
+        </p:nvSpPr>
+        <p:spPr>
+          <a:xfrm>
+            <a:off x="2857319" y="4198434"/>
+            <a:ext cx="3429362" cy="1325562"/>
+          </a:xfrm>
+        </p:spPr>
+        <p:txBody>
+          <a:bodyPr>
+            <a:normAutofit/>
+          </a:bodyPr>
+          <a:lstStyle/>
+          <a:p>
+            <a:r>
+              <a:rPr lang="ko-KR" altLang="en-US" sz="4800" dirty="0"/>
+              <a:t>감사합니다</a:t>
+            </a:r>
+            <a:r>
+              <a:rPr lang="en-US" altLang="ko-KR" sz="4800" dirty="0"/>
+              <a:t>.</a:t>
+            </a:r>
+            <a:endParaRPr lang="ko-KR" altLang="en-US" sz="4800" dirty="0"/>
+          </a:p>
+        </p:txBody>
+      </p:sp>
+    </p:spTree>
+    <p:extLst>
+      <p:ext uri="{BB962C8B-B14F-4D97-AF65-F5344CB8AC3E}">
+        <p14:creationId xmlns:p14="http://schemas.microsoft.com/office/powerpoint/2010/main" val="3923520314"/>
+      </p:ext>
+    </p:extLst>
+  </p:cSld>
+  <p:clrMapOvr>
+    <a:masterClrMapping/>
+  </p:clrMapOvr>
+</p:sld>
+</file>
+
 <file path=ppt/theme/theme1.xml><?xml version="1.0" encoding="utf-8"?>
-<a:theme xmlns:a="http://schemas.openxmlformats.org/drawingml/2006/main" name="Office Theme">
+<a:theme xmlns:a="http://schemas.openxmlformats.org/drawingml/2006/main" name="보기">
   <a:themeElements>
-    <a:clrScheme name="Office">
+    <a:clrScheme name="보기">
       <a:dk1>
-        <a:sysClr val="windowText" lastClr="000000"/>
+        <a:srgbClr val="000000"/>
       </a:dk1>
       <a:lt1>
-        <a:sysClr val="window" lastClr="FFFFFF"/>
+        <a:srgbClr val="FFFFFF"/>
       </a:lt1>
       <a:dk2>
-        <a:srgbClr val="1F497D"/>
+        <a:srgbClr val="46464A"/>
       </a:dk2>
       <a:lt2>
-        <a:srgbClr val="EEECE1"/>
+        <a:srgbClr val="D6D3CC"/>
       </a:lt2>
       <a:accent1>
-        <a:srgbClr val="4F81BD"/>
+        <a:srgbClr val="6F6F74"/>
       </a:accent1>
       <a:accent2>
-        <a:srgbClr val="C0504D"/>
+        <a:srgbClr val="92A9B9"/>
       </a:accent2>
       <a:accent3>
-        <a:srgbClr val="9BBB59"/>
+        <a:srgbClr val="A7B789"/>
       </a:accent3>
       <a:accent4>
-        <a:srgbClr val="8064A2"/>
+        <a:srgbClr val="B9A489"/>
       </a:accent4>
       <a:accent5>
-        <a:srgbClr val="4BACC6"/>
+        <a:srgbClr val="8D6374"/>
       </a:accent5>
       <a:accent6>
-        <a:srgbClr val="F79646"/>
+        <a:srgbClr val="9B7362"/>
       </a:accent6>
       <a:hlink>
-        <a:srgbClr val="0000FF"/>
+        <a:srgbClr val="67AABF"/>
       </a:hlink>
       <a:folHlink>
-        <a:srgbClr val="800080"/>
+        <a:srgbClr val="ABAFA5"/>
       </a:folHlink>
     </a:clrScheme>
-    <a:fontScheme name="Office">
+    <a:fontScheme name="보기">
       <a:majorFont>
-        <a:latin typeface="Calibri"/>
+        <a:latin typeface="Century Schoolbook" panose="02040604050505020304"/>
         <a:ea typeface=""/>
         <a:cs typeface=""/>
-        <a:font script="Jpan" typeface="ＭＳ Ｐゴシック"/>
+        <a:font script="Jpan" typeface="ＭＳ ゴシック"/>
         <a:font script="Hang" typeface="맑은 고딕"/>
         <a:font script="Hans" typeface="宋体"/>
         <a:font script="Hant" typeface="新細明體"/>
-        <a:font script="Arab" typeface="Times New Roman"/>
-        <a:font script="Hebr" typeface="Times New Roman"/>
-        <a:font script="Thai" typeface="Angsana New"/>
-        <a:font script="Ethi" typeface="Nyala"/>
-        <a:font script="Beng" typeface="Vrinda"/>
-        <a:font script="Gujr" typeface="Shruti"/>
-        <a:font script="Khmr" typeface="MoolBoran"/>
-        <a:font script="Knda" typeface="Tunga"/>
-        <a:font script="Guru" typeface="Raavi"/>
-        <a:font script="Cans" typeface="Euphemia"/>
-        <a:font script="Cher" typeface="Plantagenet Cherokee"/>
-        <a:font script="Yiii" typeface="Microsoft Yi Baiti"/>
-        <a:font script="Tibt" typeface="Microsoft Himalaya"/>
-        <a:font script="Thaa" typeface="MV Boli"/>
-        <a:font script="Deva" typeface="Mangal"/>
-        <a:font script="Telu" typeface="Gautami"/>
-        <a:font script="Taml" typeface="Latha"/>
-        <a:font script="Syrc" typeface="Estrangelo Edessa"/>
-        <a:font script="Orya" typeface="Kalinga"/>
-        <a:font script="Mlym" typeface="Kartika"/>
-        <a:font script="Laoo" typeface="DokChampa"/>
-        <a:font script="Sinh" typeface="Iskoola Pota"/>
-        <a:font script="Mong" typeface="Mongolian Baiti"/>
-        <a:font script="Viet" typeface="Times New Roman"/>
-        <a:font script="Uigh" typeface="Microsoft Uighur"/>
-        <a:font script="Geor" typeface="Sylfaen"/>
-      </a:majorFont>
-      <a:minorFont>
-        <a:latin typeface="Calibri"/>
-        <a:ea typeface=""/>
-        <a:cs typeface=""/>
-        <a:font script="Jpan" typeface="ＭＳ Ｐゴシック"/>
-        <a:font script="Hang" typeface="맑은 고딕"/>
-        <a:font script="Hans" typeface="宋体"/>
-        <a:font script="Hant" typeface="新細明體"/>
-        <a:font script="Arab" typeface="Arial"/>
-        <a:font script="Hebr" typeface="Arial"/>
-        <a:font script="Thai" typeface="Cordia New"/>
+        <a:font script="Arab" typeface="Tahoma"/>
+        <a:font script="Hebr" typeface="Gisha"/>
+        <a:font script="Thai" typeface="DilleniaUPC"/>
         <a:font script="Ethi" typeface="Nyala"/>
         <a:font script="Beng" typeface="Vrinda"/>
         <a:font script="Gujr" typeface="Shruti"/>
@@ -7625,106 +8192,97 @@
         <a:font script="Laoo" typeface="DokChampa"/>
         <a:font script="Sinh" typeface="Iskoola Pota"/>
         <a:font script="Mong" typeface="Mongolian Baiti"/>
-        <a:font script="Viet" typeface="Arial"/>
+        <a:font script="Viet" typeface="Tahoma"/>
+        <a:font script="Uigh" typeface="Microsoft Uighur"/>
+        <a:font script="Geor" typeface="Sylfaen"/>
+      </a:majorFont>
+      <a:minorFont>
+        <a:latin typeface="Century Schoolbook" panose="02040604050505020304"/>
+        <a:ea typeface=""/>
+        <a:cs typeface=""/>
+        <a:font script="Jpan" typeface="ＭＳ ゴシック"/>
+        <a:font script="Hang" typeface="맑은 고딕"/>
+        <a:font script="Hans" typeface="宋体"/>
+        <a:font script="Hant" typeface="新細明體"/>
+        <a:font script="Arab" typeface="Tahoma"/>
+        <a:font script="Hebr" typeface="Gisha"/>
+        <a:font script="Thai" typeface="DilleniaUPC"/>
+        <a:font script="Ethi" typeface="Nyala"/>
+        <a:font script="Beng" typeface="Vrinda"/>
+        <a:font script="Gujr" typeface="Shruti"/>
+        <a:font script="Khmr" typeface="DaunPenh"/>
+        <a:font script="Knda" typeface="Tunga"/>
+        <a:font script="Guru" typeface="Raavi"/>
+        <a:font script="Cans" typeface="Euphemia"/>
+        <a:font script="Cher" typeface="Plantagenet Cherokee"/>
+        <a:font script="Yiii" typeface="Microsoft Yi Baiti"/>
+        <a:font script="Tibt" typeface="Microsoft Himalaya"/>
+        <a:font script="Thaa" typeface="MV Boli"/>
+        <a:font script="Deva" typeface="Mangal"/>
+        <a:font script="Telu" typeface="Gautami"/>
+        <a:font script="Taml" typeface="Latha"/>
+        <a:font script="Syrc" typeface="Estrangelo Edessa"/>
+        <a:font script="Orya" typeface="Kalinga"/>
+        <a:font script="Mlym" typeface="Kartika"/>
+        <a:font script="Laoo" typeface="DokChampa"/>
+        <a:font script="Sinh" typeface="Iskoola Pota"/>
+        <a:font script="Mong" typeface="Mongolian Baiti"/>
+        <a:font script="Viet" typeface="Verdana"/>
         <a:font script="Uigh" typeface="Microsoft Uighur"/>
         <a:font script="Geor" typeface="Sylfaen"/>
       </a:minorFont>
     </a:fontScheme>
-    <a:fmtScheme name="Office">
+    <a:fmtScheme name="보기">
       <a:fillStyleLst>
         <a:solidFill>
           <a:schemeClr val="phClr"/>
         </a:solidFill>
-        <a:gradFill rotWithShape="1">
-          <a:gsLst>
-            <a:gs pos="0">
-              <a:schemeClr val="phClr">
-                <a:tint val="50000"/>
-                <a:satMod val="300000"/>
-              </a:schemeClr>
-            </a:gs>
-            <a:gs pos="35000">
-              <a:schemeClr val="phClr">
-                <a:tint val="37000"/>
-                <a:satMod val="300000"/>
-              </a:schemeClr>
-            </a:gs>
-            <a:gs pos="100000">
-              <a:schemeClr val="phClr">
-                <a:tint val="15000"/>
-                <a:satMod val="350000"/>
-              </a:schemeClr>
-            </a:gs>
-          </a:gsLst>
-          <a:lin ang="16200000" scaled="1"/>
-        </a:gradFill>
-        <a:gradFill rotWithShape="1">
-          <a:gsLst>
-            <a:gs pos="0">
-              <a:schemeClr val="phClr">
-                <a:tint val="100000"/>
-                <a:shade val="100000"/>
-                <a:satMod val="130000"/>
-              </a:schemeClr>
-            </a:gs>
-            <a:gs pos="100000">
-              <a:schemeClr val="phClr">
-                <a:tint val="50000"/>
-                <a:shade val="100000"/>
-                <a:satMod val="350000"/>
-              </a:schemeClr>
-            </a:gs>
-          </a:gsLst>
-          <a:lin ang="16200000" scaled="0"/>
-        </a:gradFill>
+        <a:solidFill>
+          <a:schemeClr val="phClr">
+            <a:tint val="60000"/>
+            <a:satMod val="120000"/>
+          </a:schemeClr>
+        </a:solidFill>
+        <a:solidFill>
+          <a:schemeClr val="phClr">
+            <a:shade val="75000"/>
+            <a:satMod val="160000"/>
+          </a:schemeClr>
+        </a:solidFill>
       </a:fillStyleLst>
       <a:lnStyleLst>
         <a:ln w="9525" cap="flat" cmpd="sng" algn="ctr">
-          <a:solidFill>
-            <a:schemeClr val="phClr">
-              <a:shade val="95000"/>
-              <a:satMod val="105000"/>
-            </a:schemeClr>
-          </a:solidFill>
-          <a:prstDash val="solid"/>
-        </a:ln>
-        <a:ln w="25400" cap="flat" cmpd="sng" algn="ctr">
           <a:solidFill>
             <a:schemeClr val="phClr"/>
           </a:solidFill>
           <a:prstDash val="solid"/>
         </a:ln>
-        <a:ln w="38100" cap="flat" cmpd="sng" algn="ctr">
+        <a:ln w="13970" cap="flat" cmpd="sng" algn="ctr">
           <a:solidFill>
             <a:schemeClr val="phClr"/>
+          </a:solidFill>
+          <a:prstDash val="solid"/>
+        </a:ln>
+        <a:ln w="17145" cap="flat" cmpd="sng" algn="ctr">
+          <a:solidFill>
+            <a:schemeClr val="phClr">
+              <a:shade val="95000"/>
+              <a:alpha val="95000"/>
+              <a:satMod val="150000"/>
+            </a:schemeClr>
           </a:solidFill>
           <a:prstDash val="solid"/>
         </a:ln>
       </a:lnStyleLst>
       <a:effectStyleLst>
         <a:effectStyle>
-          <a:effectLst>
-            <a:outerShdw blurRad="40000" dist="20000" dir="5400000" rotWithShape="0">
-              <a:srgbClr val="000000">
-                <a:alpha val="38000"/>
-              </a:srgbClr>
-            </a:outerShdw>
-          </a:effectLst>
+          <a:effectLst/>
         </a:effectStyle>
         <a:effectStyle>
           <a:effectLst>
-            <a:outerShdw blurRad="40000" dist="23000" dir="5400000" rotWithShape="0">
+            <a:outerShdw blurRad="50800" dist="15240" dir="5400000" algn="tl" rotWithShape="0">
               <a:srgbClr val="000000">
-                <a:alpha val="35000"/>
-              </a:srgbClr>
-            </a:outerShdw>
-          </a:effectLst>
-        </a:effectStyle>
-        <a:effectStyle>
-          <a:effectLst>
-            <a:outerShdw blurRad="40000" dist="23000" dir="5400000" rotWithShape="0">
-              <a:srgbClr val="000000">
-                <a:alpha val="35000"/>
+                <a:alpha val="75000"/>
               </a:srgbClr>
             </a:outerShdw>
           </a:effectLst>
@@ -7732,12 +8290,40 @@
             <a:camera prst="orthographicFront">
               <a:rot lat="0" lon="0" rev="0"/>
             </a:camera>
-            <a:lightRig rig="threePt" dir="t">
-              <a:rot lat="0" lon="0" rev="1200000"/>
-            </a:lightRig>
+            <a:lightRig rig="brightRoom" dir="tl"/>
           </a:scene3d>
-          <a:sp3d>
-            <a:bevelT w="63500" h="25400"/>
+          <a:sp3d contourW="9525" prstMaterial="flat">
+            <a:bevelT w="0" h="0" prst="coolSlant"/>
+            <a:contourClr>
+              <a:schemeClr val="phClr">
+                <a:shade val="35000"/>
+                <a:satMod val="130000"/>
+              </a:schemeClr>
+            </a:contourClr>
+          </a:sp3d>
+        </a:effectStyle>
+        <a:effectStyle>
+          <a:effectLst>
+            <a:outerShdw blurRad="76200" dist="25400" dir="5400000" algn="tl" rotWithShape="0">
+              <a:srgbClr val="000000">
+                <a:alpha val="55000"/>
+              </a:srgbClr>
+            </a:outerShdw>
+          </a:effectLst>
+          <a:scene3d>
+            <a:camera prst="orthographicFront">
+              <a:rot lat="0" lon="0" rev="0"/>
+            </a:camera>
+            <a:lightRig rig="brightRoom" dir="tl"/>
+          </a:scene3d>
+          <a:sp3d contourW="19050" prstMaterial="flat">
+            <a:bevelT w="0" h="0" prst="coolSlant"/>
+            <a:contourClr>
+              <a:schemeClr val="phClr">
+                <a:shade val="25000"/>
+                <a:satMod val="140000"/>
+              </a:schemeClr>
+            </a:contourClr>
           </a:sp3d>
         </a:effectStyle>
       </a:effectStyleLst>
@@ -7745,94 +8331,43 @@
         <a:solidFill>
           <a:schemeClr val="phClr"/>
         </a:solidFill>
+        <a:solidFill>
+          <a:schemeClr val="phClr">
+            <a:tint val="95000"/>
+            <a:satMod val="170000"/>
+          </a:schemeClr>
+        </a:solidFill>
         <a:gradFill rotWithShape="1">
           <a:gsLst>
             <a:gs pos="0">
               <a:schemeClr val="phClr">
-                <a:tint val="40000"/>
-                <a:satMod val="350000"/>
-              </a:schemeClr>
-            </a:gs>
-            <a:gs pos="40000">
-              <a:schemeClr val="phClr">
-                <a:tint val="45000"/>
-                <a:shade val="99000"/>
-                <a:satMod val="350000"/>
+                <a:tint val="94000"/>
+                <a:shade val="98000"/>
+                <a:satMod val="130000"/>
+                <a:lumMod val="102000"/>
               </a:schemeClr>
             </a:gs>
             <a:gs pos="100000">
               <a:schemeClr val="phClr">
-                <a:shade val="20000"/>
-                <a:satMod val="255000"/>
+                <a:tint val="98000"/>
+                <a:shade val="78000"/>
+                <a:satMod val="140000"/>
               </a:schemeClr>
             </a:gs>
           </a:gsLst>
           <a:path path="circle">
-            <a:fillToRect l="50000" t="-80000" r="50000" b="180000"/>
-          </a:path>
-        </a:gradFill>
-        <a:gradFill rotWithShape="1">
-          <a:gsLst>
-            <a:gs pos="0">
-              <a:schemeClr val="phClr">
-                <a:tint val="80000"/>
-                <a:satMod val="300000"/>
-              </a:schemeClr>
-            </a:gs>
-            <a:gs pos="100000">
-              <a:schemeClr val="phClr">
-                <a:shade val="30000"/>
-                <a:satMod val="200000"/>
-              </a:schemeClr>
-            </a:gs>
-          </a:gsLst>
-          <a:path path="circle">
-            <a:fillToRect l="50000" t="50000" r="50000" b="50000"/>
+            <a:fillToRect l="100000" t="100000" r="100000" b="100000"/>
           </a:path>
         </a:gradFill>
       </a:bgFillStyleLst>
     </a:fmtScheme>
   </a:themeElements>
-  <a:objectDefaults>
-    <a:spDef>
-      <a:spPr/>
-      <a:bodyPr/>
-      <a:lstStyle/>
-      <a:style>
-        <a:lnRef idx="1">
-          <a:schemeClr val="accent1"/>
-        </a:lnRef>
-        <a:fillRef idx="3">
-          <a:schemeClr val="accent1"/>
-        </a:fillRef>
-        <a:effectRef idx="2">
-          <a:schemeClr val="accent1"/>
-        </a:effectRef>
-        <a:fontRef idx="minor">
-          <a:schemeClr val="lt1"/>
-        </a:fontRef>
-      </a:style>
-    </a:spDef>
-    <a:lnDef>
-      <a:spPr/>
-      <a:bodyPr/>
-      <a:lstStyle/>
-      <a:style>
-        <a:lnRef idx="2">
-          <a:schemeClr val="accent1"/>
-        </a:lnRef>
-        <a:fillRef idx="0">
-          <a:schemeClr val="accent1"/>
-        </a:fillRef>
-        <a:effectRef idx="1">
-          <a:schemeClr val="accent1"/>
-        </a:effectRef>
-        <a:fontRef idx="minor">
-          <a:schemeClr val="tx1"/>
-        </a:fontRef>
-      </a:style>
-    </a:lnDef>
-  </a:objectDefaults>
+  <a:objectDefaults/>
   <a:extraClrSchemeLst/>
+  <a:extLst>
+    <a:ext uri="{05A4C25C-085E-4340-85A3-A5531E510DB2}">
+      <thm15:themeFamily xmlns:thm15="http://schemas.microsoft.com/office/thememl/2012/main" name="View" id="{BA0EB5A6-F2D4-4F82-977B-64ADEE4A2A69}" vid="{3969A8A2-35DB-4E3B-8885-16FD20568674}"/>
+    </a:ext>
+  </a:extLst>
 </a:theme>
 </file>